--- a/L03P01 - SmartLab IOT - MQTT - Theorie/L03P03 - Week 03 - MQTT_Subscriber/L03P03 - Week 03 - MQTT_Subscriber.pptx
+++ b/L03P01 - SmartLab IOT - MQTT - Theorie/L03P03 - Week 03 - MQTT_Subscriber/L03P03 - Week 03 - MQTT_Subscriber.pptx
@@ -138,37 +138,6 @@
 <file path=ppt/changesInfos/changesInfo1.xml><?xml version="1.0" encoding="utf-8"?>
 <pc:chgInfo xmlns:a="http://schemas.openxmlformats.org/drawingml/2006/main" xmlns:r="http://schemas.openxmlformats.org/officeDocument/2006/relationships" xmlns:ac="http://schemas.microsoft.com/office/drawing/2013/main/command" xmlns:pc="http://schemas.microsoft.com/office/powerpoint/2013/main/command">
   <pc:docChgLst>
-    <pc:chgData name="Arjan Kamberg" userId="2cfeac95-aab1-41a7-bca5-796b19d85bc0" providerId="ADAL" clId="{9DC66715-1B2A-AF44-84E7-D6B994AB8A9F}"/>
-    <pc:docChg chg="addSld modSld">
-      <pc:chgData name="Arjan Kamberg" userId="2cfeac95-aab1-41a7-bca5-796b19d85bc0" providerId="ADAL" clId="{9DC66715-1B2A-AF44-84E7-D6B994AB8A9F}" dt="2022-02-07T10:56:46.161" v="12"/>
-      <pc:docMkLst>
-        <pc:docMk/>
-      </pc:docMkLst>
-      <pc:sldChg chg="modSp mod">
-        <pc:chgData name="Arjan Kamberg" userId="2cfeac95-aab1-41a7-bca5-796b19d85bc0" providerId="ADAL" clId="{9DC66715-1B2A-AF44-84E7-D6B994AB8A9F}" dt="2022-02-07T10:56:41.186" v="11" actId="14100"/>
-        <pc:sldMkLst>
-          <pc:docMk/>
-          <pc:sldMk cId="248983296" sldId="256"/>
-        </pc:sldMkLst>
-        <pc:spChg chg="mod">
-          <ac:chgData name="Arjan Kamberg" userId="2cfeac95-aab1-41a7-bca5-796b19d85bc0" providerId="ADAL" clId="{9DC66715-1B2A-AF44-84E7-D6B994AB8A9F}" dt="2022-02-07T10:56:41.186" v="11" actId="14100"/>
-          <ac:spMkLst>
-            <pc:docMk/>
-            <pc:sldMk cId="248983296" sldId="256"/>
-            <ac:spMk id="8" creationId="{504648F9-71D5-4088-A705-93B3953EDA91}"/>
-          </ac:spMkLst>
-        </pc:spChg>
-      </pc:sldChg>
-      <pc:sldChg chg="add">
-        <pc:chgData name="Arjan Kamberg" userId="2cfeac95-aab1-41a7-bca5-796b19d85bc0" providerId="ADAL" clId="{9DC66715-1B2A-AF44-84E7-D6B994AB8A9F}" dt="2022-02-07T10:56:46.161" v="12"/>
-        <pc:sldMkLst>
-          <pc:docMk/>
-          <pc:sldMk cId="452055559" sldId="417"/>
-        </pc:sldMkLst>
-      </pc:sldChg>
-    </pc:docChg>
-  </pc:docChgLst>
-  <pc:docChgLst>
     <pc:chgData name="Arjan Kamberg" userId="2cfeac95-aab1-41a7-bca5-796b19d85bc0" providerId="ADAL" clId="{A0109A28-6866-1B46-A19C-06D2B5A10850}"/>
     <pc:docChg chg="undo redo custSel addSld delSld modSld sldOrd addSection delSection">
       <pc:chgData name="Arjan Kamberg" userId="2cfeac95-aab1-41a7-bca5-796b19d85bc0" providerId="ADAL" clId="{A0109A28-6866-1B46-A19C-06D2B5A10850}" dt="2021-12-01T13:43:39.736" v="947" actId="207"/>
@@ -1065,20 +1034,67 @@
     </pc:docChg>
   </pc:docChgLst>
   <pc:docChgLst>
-    <pc:chgData name="Arjan Kamberg" userId="2cfeac95-aab1-41a7-bca5-796b19d85bc0" providerId="ADAL" clId="{87327C69-187A-9E4A-B2BB-AFE23CD4AF56}"/>
-    <pc:docChg chg="undo custSel addSld delSld modSld">
-      <pc:chgData name="Arjan Kamberg" userId="2cfeac95-aab1-41a7-bca5-796b19d85bc0" providerId="ADAL" clId="{87327C69-187A-9E4A-B2BB-AFE23CD4AF56}" dt="2022-02-22T22:19:25.409" v="989" actId="1076"/>
+    <pc:chgData name="Arjan Kamberg" userId="2cfeac95-aab1-41a7-bca5-796b19d85bc0" providerId="ADAL" clId="{F79FAF97-4546-FA4E-8B77-E1D705A7800E}"/>
+    <pc:docChg chg="modSld">
+      <pc:chgData name="Arjan Kamberg" userId="2cfeac95-aab1-41a7-bca5-796b19d85bc0" providerId="ADAL" clId="{F79FAF97-4546-FA4E-8B77-E1D705A7800E}" dt="2021-03-25T21:17:23.177" v="4"/>
+      <pc:docMkLst>
+        <pc:docMk/>
+      </pc:docMkLst>
+      <pc:sldChg chg="addSp delSp modSp mod">
+        <pc:chgData name="Arjan Kamberg" userId="2cfeac95-aab1-41a7-bca5-796b19d85bc0" providerId="ADAL" clId="{F79FAF97-4546-FA4E-8B77-E1D705A7800E}" dt="2021-03-25T21:17:23.177" v="4"/>
+        <pc:sldMkLst>
+          <pc:docMk/>
+          <pc:sldMk cId="2141729157" sldId="360"/>
+        </pc:sldMkLst>
+        <pc:spChg chg="mod">
+          <ac:chgData name="Arjan Kamberg" userId="2cfeac95-aab1-41a7-bca5-796b19d85bc0" providerId="ADAL" clId="{F79FAF97-4546-FA4E-8B77-E1D705A7800E}" dt="2021-03-25T21:17:13.513" v="1" actId="20577"/>
+          <ac:spMkLst>
+            <pc:docMk/>
+            <pc:sldMk cId="2141729157" sldId="360"/>
+            <ac:spMk id="2" creationId="{FF96216C-A868-884D-9867-B0E0AF546CB8}"/>
+          </ac:spMkLst>
+        </pc:spChg>
+        <pc:spChg chg="add del mod">
+          <ac:chgData name="Arjan Kamberg" userId="2cfeac95-aab1-41a7-bca5-796b19d85bc0" providerId="ADAL" clId="{F79FAF97-4546-FA4E-8B77-E1D705A7800E}" dt="2021-03-25T21:17:23.177" v="4"/>
+          <ac:spMkLst>
+            <pc:docMk/>
+            <pc:sldMk cId="2141729157" sldId="360"/>
+            <ac:spMk id="4" creationId="{E3D4887B-CD36-2E4E-A77F-025BC5A699B5}"/>
+          </ac:spMkLst>
+        </pc:spChg>
+      </pc:sldChg>
+      <pc:sldChg chg="modSp mod">
+        <pc:chgData name="Arjan Kamberg" userId="2cfeac95-aab1-41a7-bca5-796b19d85bc0" providerId="ADAL" clId="{F79FAF97-4546-FA4E-8B77-E1D705A7800E}" dt="2021-03-25T21:17:17.820" v="2" actId="20577"/>
+        <pc:sldMkLst>
+          <pc:docMk/>
+          <pc:sldMk cId="3714023842" sldId="361"/>
+        </pc:sldMkLst>
+        <pc:spChg chg="mod">
+          <ac:chgData name="Arjan Kamberg" userId="2cfeac95-aab1-41a7-bca5-796b19d85bc0" providerId="ADAL" clId="{F79FAF97-4546-FA4E-8B77-E1D705A7800E}" dt="2021-03-25T21:17:17.820" v="2" actId="20577"/>
+          <ac:spMkLst>
+            <pc:docMk/>
+            <pc:sldMk cId="3714023842" sldId="361"/>
+            <ac:spMk id="2" creationId="{FF96216C-A868-884D-9867-B0E0AF546CB8}"/>
+          </ac:spMkLst>
+        </pc:spChg>
+      </pc:sldChg>
+    </pc:docChg>
+  </pc:docChgLst>
+  <pc:docChgLst>
+    <pc:chgData name="Arjan Kamberg" userId="2cfeac95-aab1-41a7-bca5-796b19d85bc0" providerId="ADAL" clId="{9DC66715-1B2A-AF44-84E7-D6B994AB8A9F}"/>
+    <pc:docChg chg="addSld modSld">
+      <pc:chgData name="Arjan Kamberg" userId="2cfeac95-aab1-41a7-bca5-796b19d85bc0" providerId="ADAL" clId="{9DC66715-1B2A-AF44-84E7-D6B994AB8A9F}" dt="2022-02-07T10:56:46.161" v="12"/>
       <pc:docMkLst>
         <pc:docMk/>
       </pc:docMkLst>
       <pc:sldChg chg="modSp mod">
-        <pc:chgData name="Arjan Kamberg" userId="2cfeac95-aab1-41a7-bca5-796b19d85bc0" providerId="ADAL" clId="{87327C69-187A-9E4A-B2BB-AFE23CD4AF56}" dt="2022-02-21T11:49:38.909" v="952" actId="20577"/>
+        <pc:chgData name="Arjan Kamberg" userId="2cfeac95-aab1-41a7-bca5-796b19d85bc0" providerId="ADAL" clId="{9DC66715-1B2A-AF44-84E7-D6B994AB8A9F}" dt="2022-02-07T10:56:41.186" v="11" actId="14100"/>
         <pc:sldMkLst>
           <pc:docMk/>
           <pc:sldMk cId="248983296" sldId="256"/>
         </pc:sldMkLst>
         <pc:spChg chg="mod">
-          <ac:chgData name="Arjan Kamberg" userId="2cfeac95-aab1-41a7-bca5-796b19d85bc0" providerId="ADAL" clId="{87327C69-187A-9E4A-B2BB-AFE23CD4AF56}" dt="2022-02-21T11:49:38.909" v="952" actId="20577"/>
+          <ac:chgData name="Arjan Kamberg" userId="2cfeac95-aab1-41a7-bca5-796b19d85bc0" providerId="ADAL" clId="{9DC66715-1B2A-AF44-84E7-D6B994AB8A9F}" dt="2022-02-07T10:56:41.186" v="11" actId="14100"/>
           <ac:spMkLst>
             <pc:docMk/>
             <pc:sldMk cId="248983296" sldId="256"/>
@@ -1086,641 +1102,11 @@
           </ac:spMkLst>
         </pc:spChg>
       </pc:sldChg>
-      <pc:sldChg chg="del">
-        <pc:chgData name="Arjan Kamberg" userId="2cfeac95-aab1-41a7-bca5-796b19d85bc0" providerId="ADAL" clId="{87327C69-187A-9E4A-B2BB-AFE23CD4AF56}" dt="2022-02-21T10:17:56.257" v="10" actId="2696"/>
+      <pc:sldChg chg="add">
+        <pc:chgData name="Arjan Kamberg" userId="2cfeac95-aab1-41a7-bca5-796b19d85bc0" providerId="ADAL" clId="{9DC66715-1B2A-AF44-84E7-D6B994AB8A9F}" dt="2022-02-07T10:56:46.161" v="12"/>
         <pc:sldMkLst>
           <pc:docMk/>
-          <pc:sldMk cId="4186941283" sldId="407"/>
-        </pc:sldMkLst>
-      </pc:sldChg>
-      <pc:sldChg chg="del">
-        <pc:chgData name="Arjan Kamberg" userId="2cfeac95-aab1-41a7-bca5-796b19d85bc0" providerId="ADAL" clId="{87327C69-187A-9E4A-B2BB-AFE23CD4AF56}" dt="2022-02-21T10:13:43.489" v="7" actId="2696"/>
-        <pc:sldMkLst>
-          <pc:docMk/>
-          <pc:sldMk cId="1819654445" sldId="408"/>
-        </pc:sldMkLst>
-      </pc:sldChg>
-      <pc:sldChg chg="add">
-        <pc:chgData name="Arjan Kamberg" userId="2cfeac95-aab1-41a7-bca5-796b19d85bc0" providerId="ADAL" clId="{87327C69-187A-9E4A-B2BB-AFE23CD4AF56}" dt="2022-02-21T11:46:59.887" v="942"/>
-        <pc:sldMkLst>
-          <pc:docMk/>
-          <pc:sldMk cId="3029572305" sldId="409"/>
-        </pc:sldMkLst>
-      </pc:sldChg>
-      <pc:sldChg chg="addSp delSp modSp mod">
-        <pc:chgData name="Arjan Kamberg" userId="2cfeac95-aab1-41a7-bca5-796b19d85bc0" providerId="ADAL" clId="{87327C69-187A-9E4A-B2BB-AFE23CD4AF56}" dt="2022-02-21T10:54:18.436" v="143" actId="20577"/>
-        <pc:sldMkLst>
-          <pc:docMk/>
-          <pc:sldMk cId="2807360599" sldId="411"/>
-        </pc:sldMkLst>
-        <pc:spChg chg="mod">
-          <ac:chgData name="Arjan Kamberg" userId="2cfeac95-aab1-41a7-bca5-796b19d85bc0" providerId="ADAL" clId="{87327C69-187A-9E4A-B2BB-AFE23CD4AF56}" dt="2022-02-21T10:53:11.974" v="24" actId="20577"/>
-          <ac:spMkLst>
-            <pc:docMk/>
-            <pc:sldMk cId="2807360599" sldId="411"/>
-            <ac:spMk id="2" creationId="{00000000-0000-0000-0000-000000000000}"/>
-          </ac:spMkLst>
-        </pc:spChg>
-        <pc:spChg chg="add mod">
-          <ac:chgData name="Arjan Kamberg" userId="2cfeac95-aab1-41a7-bca5-796b19d85bc0" providerId="ADAL" clId="{87327C69-187A-9E4A-B2BB-AFE23CD4AF56}" dt="2022-02-21T10:54:18.436" v="143" actId="20577"/>
-          <ac:spMkLst>
-            <pc:docMk/>
-            <pc:sldMk cId="2807360599" sldId="411"/>
-            <ac:spMk id="4" creationId="{EE394875-DE1A-7B4E-8D4A-8031D45FE1C3}"/>
-          </ac:spMkLst>
-        </pc:spChg>
-        <pc:picChg chg="add mod">
-          <ac:chgData name="Arjan Kamberg" userId="2cfeac95-aab1-41a7-bca5-796b19d85bc0" providerId="ADAL" clId="{87327C69-187A-9E4A-B2BB-AFE23CD4AF56}" dt="2022-02-21T10:53:31.663" v="30" actId="1076"/>
-          <ac:picMkLst>
-            <pc:docMk/>
-            <pc:sldMk cId="2807360599" sldId="411"/>
-            <ac:picMk id="3" creationId="{5975BABE-0269-F042-BB20-065840E2EBD4}"/>
-          </ac:picMkLst>
-        </pc:picChg>
-        <pc:picChg chg="del">
-          <ac:chgData name="Arjan Kamberg" userId="2cfeac95-aab1-41a7-bca5-796b19d85bc0" providerId="ADAL" clId="{87327C69-187A-9E4A-B2BB-AFE23CD4AF56}" dt="2022-02-21T10:17:46.496" v="8" actId="478"/>
-          <ac:picMkLst>
-            <pc:docMk/>
-            <pc:sldMk cId="2807360599" sldId="411"/>
-            <ac:picMk id="5" creationId="{00000000-0000-0000-0000-000000000000}"/>
-          </ac:picMkLst>
-        </pc:picChg>
-      </pc:sldChg>
-      <pc:sldChg chg="addSp delSp modSp mod">
-        <pc:chgData name="Arjan Kamberg" userId="2cfeac95-aab1-41a7-bca5-796b19d85bc0" providerId="ADAL" clId="{87327C69-187A-9E4A-B2BB-AFE23CD4AF56}" dt="2022-02-21T10:57:14.534" v="178" actId="478"/>
-        <pc:sldMkLst>
-          <pc:docMk/>
-          <pc:sldMk cId="2343793502" sldId="412"/>
-        </pc:sldMkLst>
-        <pc:spChg chg="mod">
-          <ac:chgData name="Arjan Kamberg" userId="2cfeac95-aab1-41a7-bca5-796b19d85bc0" providerId="ADAL" clId="{87327C69-187A-9E4A-B2BB-AFE23CD4AF56}" dt="2022-02-21T10:57:10.693" v="176" actId="20577"/>
-          <ac:spMkLst>
-            <pc:docMk/>
-            <pc:sldMk cId="2343793502" sldId="412"/>
-            <ac:spMk id="2" creationId="{00000000-0000-0000-0000-000000000000}"/>
-          </ac:spMkLst>
-        </pc:spChg>
-        <pc:spChg chg="add del mod">
-          <ac:chgData name="Arjan Kamberg" userId="2cfeac95-aab1-41a7-bca5-796b19d85bc0" providerId="ADAL" clId="{87327C69-187A-9E4A-B2BB-AFE23CD4AF56}" dt="2022-02-21T10:57:14.534" v="178" actId="478"/>
-          <ac:spMkLst>
-            <pc:docMk/>
-            <pc:sldMk cId="2343793502" sldId="412"/>
-            <ac:spMk id="5" creationId="{D73DB922-FA56-8749-97D1-256F9F0719A7}"/>
-          </ac:spMkLst>
-        </pc:spChg>
-        <pc:picChg chg="add">
-          <ac:chgData name="Arjan Kamberg" userId="2cfeac95-aab1-41a7-bca5-796b19d85bc0" providerId="ADAL" clId="{87327C69-187A-9E4A-B2BB-AFE23CD4AF56}" dt="2022-02-21T10:57:12.287" v="177"/>
-          <ac:picMkLst>
-            <pc:docMk/>
-            <pc:sldMk cId="2343793502" sldId="412"/>
-            <ac:picMk id="3" creationId="{DC87C538-0885-EE47-AF8E-930A0376348C}"/>
-          </ac:picMkLst>
-        </pc:picChg>
-        <pc:picChg chg="del">
-          <ac:chgData name="Arjan Kamberg" userId="2cfeac95-aab1-41a7-bca5-796b19d85bc0" providerId="ADAL" clId="{87327C69-187A-9E4A-B2BB-AFE23CD4AF56}" dt="2022-02-21T10:17:51.112" v="9" actId="478"/>
-          <ac:picMkLst>
-            <pc:docMk/>
-            <pc:sldMk cId="2343793502" sldId="412"/>
-            <ac:picMk id="4" creationId="{00000000-0000-0000-0000-000000000000}"/>
-          </ac:picMkLst>
-        </pc:picChg>
-      </pc:sldChg>
-      <pc:sldChg chg="del">
-        <pc:chgData name="Arjan Kamberg" userId="2cfeac95-aab1-41a7-bca5-796b19d85bc0" providerId="ADAL" clId="{87327C69-187A-9E4A-B2BB-AFE23CD4AF56}" dt="2022-02-21T10:17:57.990" v="11" actId="2696"/>
-        <pc:sldMkLst>
-          <pc:docMk/>
-          <pc:sldMk cId="3245349632" sldId="413"/>
-        </pc:sldMkLst>
-      </pc:sldChg>
-      <pc:sldChg chg="addSp delSp modSp mod">
-        <pc:chgData name="Arjan Kamberg" userId="2cfeac95-aab1-41a7-bca5-796b19d85bc0" providerId="ADAL" clId="{87327C69-187A-9E4A-B2BB-AFE23CD4AF56}" dt="2022-02-21T11:02:54.797" v="233"/>
-        <pc:sldMkLst>
-          <pc:docMk/>
-          <pc:sldMk cId="498837742" sldId="414"/>
-        </pc:sldMkLst>
-        <pc:spChg chg="mod">
-          <ac:chgData name="Arjan Kamberg" userId="2cfeac95-aab1-41a7-bca5-796b19d85bc0" providerId="ADAL" clId="{87327C69-187A-9E4A-B2BB-AFE23CD4AF56}" dt="2022-02-21T11:02:09.854" v="231" actId="313"/>
-          <ac:spMkLst>
-            <pc:docMk/>
-            <pc:sldMk cId="498837742" sldId="414"/>
-            <ac:spMk id="2" creationId="{00000000-0000-0000-0000-000000000000}"/>
-          </ac:spMkLst>
-        </pc:spChg>
-        <pc:spChg chg="del">
-          <ac:chgData name="Arjan Kamberg" userId="2cfeac95-aab1-41a7-bca5-796b19d85bc0" providerId="ADAL" clId="{87327C69-187A-9E4A-B2BB-AFE23CD4AF56}" dt="2022-02-21T10:58:43.222" v="201" actId="478"/>
-          <ac:spMkLst>
-            <pc:docMk/>
-            <pc:sldMk cId="498837742" sldId="414"/>
-            <ac:spMk id="3" creationId="{00000000-0000-0000-0000-000000000000}"/>
-          </ac:spMkLst>
-        </pc:spChg>
-        <pc:spChg chg="add mod">
-          <ac:chgData name="Arjan Kamberg" userId="2cfeac95-aab1-41a7-bca5-796b19d85bc0" providerId="ADAL" clId="{87327C69-187A-9E4A-B2BB-AFE23CD4AF56}" dt="2022-02-21T11:01:41.761" v="225" actId="13926"/>
-          <ac:spMkLst>
-            <pc:docMk/>
-            <pc:sldMk cId="498837742" sldId="414"/>
-            <ac:spMk id="6" creationId="{2199CFDF-0737-7A4E-82FE-5100E1954357}"/>
-          </ac:spMkLst>
-        </pc:spChg>
-        <pc:picChg chg="add mod">
-          <ac:chgData name="Arjan Kamberg" userId="2cfeac95-aab1-41a7-bca5-796b19d85bc0" providerId="ADAL" clId="{87327C69-187A-9E4A-B2BB-AFE23CD4AF56}" dt="2022-02-21T11:01:19.723" v="205" actId="1076"/>
-          <ac:picMkLst>
-            <pc:docMk/>
-            <pc:sldMk cId="498837742" sldId="414"/>
-            <ac:picMk id="4" creationId="{2AFD15D1-86A4-8842-B923-9B5566B4FE5E}"/>
-          </ac:picMkLst>
-        </pc:picChg>
-        <pc:picChg chg="add mod">
-          <ac:chgData name="Arjan Kamberg" userId="2cfeac95-aab1-41a7-bca5-796b19d85bc0" providerId="ADAL" clId="{87327C69-187A-9E4A-B2BB-AFE23CD4AF56}" dt="2022-02-21T11:01:17.453" v="204" actId="14100"/>
-          <ac:picMkLst>
-            <pc:docMk/>
-            <pc:sldMk cId="498837742" sldId="414"/>
-            <ac:picMk id="5" creationId="{A93A2897-2734-254D-906A-129FF3633A10}"/>
-          </ac:picMkLst>
-        </pc:picChg>
-        <pc:picChg chg="add del">
-          <ac:chgData name="Arjan Kamberg" userId="2cfeac95-aab1-41a7-bca5-796b19d85bc0" providerId="ADAL" clId="{87327C69-187A-9E4A-B2BB-AFE23CD4AF56}" dt="2022-02-21T11:02:54.797" v="233"/>
-          <ac:picMkLst>
-            <pc:docMk/>
-            <pc:sldMk cId="498837742" sldId="414"/>
-            <ac:picMk id="10" creationId="{43B4362E-5ABE-DA48-AA19-112A219A12BA}"/>
-          </ac:picMkLst>
-        </pc:picChg>
-        <pc:inkChg chg="add del">
-          <ac:chgData name="Arjan Kamberg" userId="2cfeac95-aab1-41a7-bca5-796b19d85bc0" providerId="ADAL" clId="{87327C69-187A-9E4A-B2BB-AFE23CD4AF56}" dt="2022-02-21T11:01:54.920" v="229" actId="9405"/>
-          <ac:inkMkLst>
-            <pc:docMk/>
-            <pc:sldMk cId="498837742" sldId="414"/>
-            <ac:inkMk id="7" creationId="{76D74612-A2E9-0B41-8C59-97451D6F8A0A}"/>
-          </ac:inkMkLst>
-        </pc:inkChg>
-        <pc:inkChg chg="add del">
-          <ac:chgData name="Arjan Kamberg" userId="2cfeac95-aab1-41a7-bca5-796b19d85bc0" providerId="ADAL" clId="{87327C69-187A-9E4A-B2BB-AFE23CD4AF56}" dt="2022-02-21T11:01:54.060" v="228" actId="9405"/>
-          <ac:inkMkLst>
-            <pc:docMk/>
-            <pc:sldMk cId="498837742" sldId="414"/>
-            <ac:inkMk id="8" creationId="{F3394C8E-BCE2-5D40-A0BD-4C4CD1E6F68B}"/>
-          </ac:inkMkLst>
-        </pc:inkChg>
-        <pc:inkChg chg="add">
-          <ac:chgData name="Arjan Kamberg" userId="2cfeac95-aab1-41a7-bca5-796b19d85bc0" providerId="ADAL" clId="{87327C69-187A-9E4A-B2BB-AFE23CD4AF56}" dt="2022-02-21T11:01:57.960" v="230" actId="9405"/>
-          <ac:inkMkLst>
-            <pc:docMk/>
-            <pc:sldMk cId="498837742" sldId="414"/>
-            <ac:inkMk id="9" creationId="{D9B94457-068A-F648-B1AB-7E219BD3A47A}"/>
-          </ac:inkMkLst>
-        </pc:inkChg>
-      </pc:sldChg>
-      <pc:sldChg chg="del">
-        <pc:chgData name="Arjan Kamberg" userId="2cfeac95-aab1-41a7-bca5-796b19d85bc0" providerId="ADAL" clId="{87327C69-187A-9E4A-B2BB-AFE23CD4AF56}" dt="2022-02-21T10:18:00.760" v="12" actId="2696"/>
-        <pc:sldMkLst>
-          <pc:docMk/>
-          <pc:sldMk cId="3846216633" sldId="415"/>
-        </pc:sldMkLst>
-      </pc:sldChg>
-      <pc:sldChg chg="del">
-        <pc:chgData name="Arjan Kamberg" userId="2cfeac95-aab1-41a7-bca5-796b19d85bc0" providerId="ADAL" clId="{87327C69-187A-9E4A-B2BB-AFE23CD4AF56}" dt="2022-02-14T22:46:02.761" v="0" actId="2696"/>
-        <pc:sldMkLst>
-          <pc:docMk/>
-          <pc:sldMk cId="567114626" sldId="416"/>
-        </pc:sldMkLst>
-      </pc:sldChg>
-      <pc:sldChg chg="addSp modSp new mod">
-        <pc:chgData name="Arjan Kamberg" userId="2cfeac95-aab1-41a7-bca5-796b19d85bc0" providerId="ADAL" clId="{87327C69-187A-9E4A-B2BB-AFE23CD4AF56}" dt="2022-02-22T22:16:04.197" v="960" actId="1076"/>
-        <pc:sldMkLst>
-          <pc:docMk/>
-          <pc:sldMk cId="3116866556" sldId="418"/>
-        </pc:sldMkLst>
-        <pc:spChg chg="mod">
-          <ac:chgData name="Arjan Kamberg" userId="2cfeac95-aab1-41a7-bca5-796b19d85bc0" providerId="ADAL" clId="{87327C69-187A-9E4A-B2BB-AFE23CD4AF56}" dt="2022-02-21T11:03:20.537" v="263" actId="1076"/>
-          <ac:spMkLst>
-            <pc:docMk/>
-            <pc:sldMk cId="3116866556" sldId="418"/>
-            <ac:spMk id="2" creationId="{2F7ACA4A-1E84-6F4A-AE33-D17060D58D5B}"/>
-          </ac:spMkLst>
-        </pc:spChg>
-        <pc:picChg chg="add mod">
-          <ac:chgData name="Arjan Kamberg" userId="2cfeac95-aab1-41a7-bca5-796b19d85bc0" providerId="ADAL" clId="{87327C69-187A-9E4A-B2BB-AFE23CD4AF56}" dt="2022-02-21T11:03:04.454" v="236" actId="1076"/>
-          <ac:picMkLst>
-            <pc:docMk/>
-            <pc:sldMk cId="3116866556" sldId="418"/>
-            <ac:picMk id="4" creationId="{2ABA7B6E-BB18-0F4E-9FE5-7A196BB38A4E}"/>
-          </ac:picMkLst>
-        </pc:picChg>
-        <pc:picChg chg="add mod">
-          <ac:chgData name="Arjan Kamberg" userId="2cfeac95-aab1-41a7-bca5-796b19d85bc0" providerId="ADAL" clId="{87327C69-187A-9E4A-B2BB-AFE23CD4AF56}" dt="2022-02-22T22:16:04.197" v="960" actId="1076"/>
-          <ac:picMkLst>
-            <pc:docMk/>
-            <pc:sldMk cId="3116866556" sldId="418"/>
-            <ac:picMk id="5" creationId="{8B61EA8C-39B8-5343-8CF2-7BB15124B5A8}"/>
-          </ac:picMkLst>
-        </pc:picChg>
-      </pc:sldChg>
-      <pc:sldChg chg="addSp modSp add mod">
-        <pc:chgData name="Arjan Kamberg" userId="2cfeac95-aab1-41a7-bca5-796b19d85bc0" providerId="ADAL" clId="{87327C69-187A-9E4A-B2BB-AFE23CD4AF56}" dt="2022-02-22T22:16:24.847" v="963" actId="1076"/>
-        <pc:sldMkLst>
-          <pc:docMk/>
-          <pc:sldMk cId="312223005" sldId="419"/>
-        </pc:sldMkLst>
-        <pc:picChg chg="add mod">
-          <ac:chgData name="Arjan Kamberg" userId="2cfeac95-aab1-41a7-bca5-796b19d85bc0" providerId="ADAL" clId="{87327C69-187A-9E4A-B2BB-AFE23CD4AF56}" dt="2022-02-22T22:16:24.847" v="963" actId="1076"/>
-          <ac:picMkLst>
-            <pc:docMk/>
-            <pc:sldMk cId="312223005" sldId="419"/>
-            <ac:picMk id="6" creationId="{FA4DE978-143B-344F-B799-56559BFC8BF5}"/>
-          </ac:picMkLst>
-        </pc:picChg>
-        <pc:inkChg chg="add">
-          <ac:chgData name="Arjan Kamberg" userId="2cfeac95-aab1-41a7-bca5-796b19d85bc0" providerId="ADAL" clId="{87327C69-187A-9E4A-B2BB-AFE23CD4AF56}" dt="2022-02-21T11:03:41.222" v="265" actId="9405"/>
-          <ac:inkMkLst>
-            <pc:docMk/>
-            <pc:sldMk cId="312223005" sldId="419"/>
-            <ac:inkMk id="5" creationId="{2B75D3D1-F071-054B-8707-A5FE87640DBF}"/>
-          </ac:inkMkLst>
-        </pc:inkChg>
-      </pc:sldChg>
-      <pc:sldChg chg="addSp delSp modSp new mod">
-        <pc:chgData name="Arjan Kamberg" userId="2cfeac95-aab1-41a7-bca5-796b19d85bc0" providerId="ADAL" clId="{87327C69-187A-9E4A-B2BB-AFE23CD4AF56}" dt="2022-02-21T11:48:03.152" v="949" actId="1076"/>
-        <pc:sldMkLst>
-          <pc:docMk/>
-          <pc:sldMk cId="273185695" sldId="420"/>
-        </pc:sldMkLst>
-        <pc:spChg chg="mod">
-          <ac:chgData name="Arjan Kamberg" userId="2cfeac95-aab1-41a7-bca5-796b19d85bc0" providerId="ADAL" clId="{87327C69-187A-9E4A-B2BB-AFE23CD4AF56}" dt="2022-02-21T11:05:48.058" v="301" actId="20577"/>
-          <ac:spMkLst>
-            <pc:docMk/>
-            <pc:sldMk cId="273185695" sldId="420"/>
-            <ac:spMk id="2" creationId="{16171B3F-F0F1-8040-80EF-9FD99923CF84}"/>
-          </ac:spMkLst>
-        </pc:spChg>
-        <pc:spChg chg="del">
-          <ac:chgData name="Arjan Kamberg" userId="2cfeac95-aab1-41a7-bca5-796b19d85bc0" providerId="ADAL" clId="{87327C69-187A-9E4A-B2BB-AFE23CD4AF56}" dt="2022-02-21T11:47:57.384" v="946" actId="478"/>
-          <ac:spMkLst>
-            <pc:docMk/>
-            <pc:sldMk cId="273185695" sldId="420"/>
-            <ac:spMk id="3" creationId="{D1C679F0-98A8-6344-A07D-8384540903F3}"/>
-          </ac:spMkLst>
-        </pc:spChg>
-        <pc:picChg chg="add del">
-          <ac:chgData name="Arjan Kamberg" userId="2cfeac95-aab1-41a7-bca5-796b19d85bc0" providerId="ADAL" clId="{87327C69-187A-9E4A-B2BB-AFE23CD4AF56}" dt="2022-02-21T11:05:20.823" v="269"/>
-          <ac:picMkLst>
-            <pc:docMk/>
-            <pc:sldMk cId="273185695" sldId="420"/>
-            <ac:picMk id="5" creationId="{E2E068A2-654E-3D4A-8F19-47CBFD2F98DF}"/>
-          </ac:picMkLst>
-        </pc:picChg>
-        <pc:picChg chg="add del mod">
-          <ac:chgData name="Arjan Kamberg" userId="2cfeac95-aab1-41a7-bca5-796b19d85bc0" providerId="ADAL" clId="{87327C69-187A-9E4A-B2BB-AFE23CD4AF56}" dt="2022-02-21T11:47:53.052" v="944" actId="478"/>
-          <ac:picMkLst>
-            <pc:docMk/>
-            <pc:sldMk cId="273185695" sldId="420"/>
-            <ac:picMk id="7" creationId="{13FB7AC5-FCED-DE47-8C9E-398B4973CDC3}"/>
-          </ac:picMkLst>
-        </pc:picChg>
-        <pc:picChg chg="add del mod">
-          <ac:chgData name="Arjan Kamberg" userId="2cfeac95-aab1-41a7-bca5-796b19d85bc0" providerId="ADAL" clId="{87327C69-187A-9E4A-B2BB-AFE23CD4AF56}" dt="2022-02-21T11:47:54.360" v="945" actId="478"/>
-          <ac:picMkLst>
-            <pc:docMk/>
-            <pc:sldMk cId="273185695" sldId="420"/>
-            <ac:picMk id="8" creationId="{B80B4BC8-C4B3-7849-8C06-33B3315A94D2}"/>
-          </ac:picMkLst>
-        </pc:picChg>
-        <pc:picChg chg="add mod">
-          <ac:chgData name="Arjan Kamberg" userId="2cfeac95-aab1-41a7-bca5-796b19d85bc0" providerId="ADAL" clId="{87327C69-187A-9E4A-B2BB-AFE23CD4AF56}" dt="2022-02-21T11:48:03.152" v="949" actId="1076"/>
-          <ac:picMkLst>
-            <pc:docMk/>
-            <pc:sldMk cId="273185695" sldId="420"/>
-            <ac:picMk id="9" creationId="{35FD5E5C-5C70-E847-A49A-B648C0DB111D}"/>
-          </ac:picMkLst>
-        </pc:picChg>
-        <pc:inkChg chg="add del">
-          <ac:chgData name="Arjan Kamberg" userId="2cfeac95-aab1-41a7-bca5-796b19d85bc0" providerId="ADAL" clId="{87327C69-187A-9E4A-B2BB-AFE23CD4AF56}" dt="2022-02-21T11:05:21.349" v="270" actId="9405"/>
-          <ac:inkMkLst>
-            <pc:docMk/>
-            <pc:sldMk cId="273185695" sldId="420"/>
-            <ac:inkMk id="4" creationId="{83DBA2F7-763C-4D4C-8693-955AB7834FDF}"/>
-          </ac:inkMkLst>
-        </pc:inkChg>
-        <pc:inkChg chg="add">
-          <ac:chgData name="Arjan Kamberg" userId="2cfeac95-aab1-41a7-bca5-796b19d85bc0" providerId="ADAL" clId="{87327C69-187A-9E4A-B2BB-AFE23CD4AF56}" dt="2022-02-21T11:05:32.606" v="271" actId="9405"/>
-          <ac:inkMkLst>
-            <pc:docMk/>
-            <pc:sldMk cId="273185695" sldId="420"/>
-            <ac:inkMk id="6" creationId="{F3CB45C7-67B9-A845-B4E5-AF6B5B17878F}"/>
-          </ac:inkMkLst>
-        </pc:inkChg>
-      </pc:sldChg>
-      <pc:sldChg chg="addSp delSp modSp add mod">
-        <pc:chgData name="Arjan Kamberg" userId="2cfeac95-aab1-41a7-bca5-796b19d85bc0" providerId="ADAL" clId="{87327C69-187A-9E4A-B2BB-AFE23CD4AF56}" dt="2022-02-22T22:14:53.225" v="954"/>
-        <pc:sldMkLst>
-          <pc:docMk/>
-          <pc:sldMk cId="3822619943" sldId="421"/>
-        </pc:sldMkLst>
-        <pc:picChg chg="del">
-          <ac:chgData name="Arjan Kamberg" userId="2cfeac95-aab1-41a7-bca5-796b19d85bc0" providerId="ADAL" clId="{87327C69-187A-9E4A-B2BB-AFE23CD4AF56}" dt="2022-02-22T22:14:45.512" v="953" actId="478"/>
-          <ac:picMkLst>
-            <pc:docMk/>
-            <pc:sldMk cId="3822619943" sldId="421"/>
-            <ac:picMk id="7" creationId="{13FB7AC5-FCED-DE47-8C9E-398B4973CDC3}"/>
-          </ac:picMkLst>
-        </pc:picChg>
-        <pc:picChg chg="add mod">
-          <ac:chgData name="Arjan Kamberg" userId="2cfeac95-aab1-41a7-bca5-796b19d85bc0" providerId="ADAL" clId="{87327C69-187A-9E4A-B2BB-AFE23CD4AF56}" dt="2022-02-22T22:14:53.225" v="954"/>
-          <ac:picMkLst>
-            <pc:docMk/>
-            <pc:sldMk cId="3822619943" sldId="421"/>
-            <ac:picMk id="9" creationId="{02980F57-58AF-064F-8CF4-8DCB8613BCBF}"/>
-          </ac:picMkLst>
-        </pc:picChg>
-        <pc:inkChg chg="add del">
-          <ac:chgData name="Arjan Kamberg" userId="2cfeac95-aab1-41a7-bca5-796b19d85bc0" providerId="ADAL" clId="{87327C69-187A-9E4A-B2BB-AFE23CD4AF56}" dt="2022-02-21T11:08:44.061" v="309" actId="9405"/>
-          <ac:inkMkLst>
-            <pc:docMk/>
-            <pc:sldMk cId="3822619943" sldId="421"/>
-            <ac:inkMk id="4" creationId="{9D697308-057C-5D4C-B4EC-CF12D4C4E229}"/>
-          </ac:inkMkLst>
-        </pc:inkChg>
-        <pc:inkChg chg="add">
-          <ac:chgData name="Arjan Kamberg" userId="2cfeac95-aab1-41a7-bca5-796b19d85bc0" providerId="ADAL" clId="{87327C69-187A-9E4A-B2BB-AFE23CD4AF56}" dt="2022-02-21T11:08:48.159" v="310" actId="9405"/>
-          <ac:inkMkLst>
-            <pc:docMk/>
-            <pc:sldMk cId="3822619943" sldId="421"/>
-            <ac:inkMk id="5" creationId="{6CB53236-2473-9140-9189-E2401C18B1B5}"/>
-          </ac:inkMkLst>
-        </pc:inkChg>
-      </pc:sldChg>
-      <pc:sldChg chg="addSp delSp modSp new mod">
-        <pc:chgData name="Arjan Kamberg" userId="2cfeac95-aab1-41a7-bca5-796b19d85bc0" providerId="ADAL" clId="{87327C69-187A-9E4A-B2BB-AFE23CD4AF56}" dt="2022-02-21T11:12:15.616" v="349" actId="20577"/>
-        <pc:sldMkLst>
-          <pc:docMk/>
-          <pc:sldMk cId="3050474417" sldId="422"/>
-        </pc:sldMkLst>
-        <pc:spChg chg="mod">
-          <ac:chgData name="Arjan Kamberg" userId="2cfeac95-aab1-41a7-bca5-796b19d85bc0" providerId="ADAL" clId="{87327C69-187A-9E4A-B2BB-AFE23CD4AF56}" dt="2022-02-21T11:12:15.616" v="349" actId="20577"/>
-          <ac:spMkLst>
-            <pc:docMk/>
-            <pc:sldMk cId="3050474417" sldId="422"/>
-            <ac:spMk id="2" creationId="{A0618073-48DB-D144-A73F-6F045D31C5D2}"/>
-          </ac:spMkLst>
-        </pc:spChg>
-        <pc:spChg chg="del">
-          <ac:chgData name="Arjan Kamberg" userId="2cfeac95-aab1-41a7-bca5-796b19d85bc0" providerId="ADAL" clId="{87327C69-187A-9E4A-B2BB-AFE23CD4AF56}" dt="2022-02-21T11:11:29.969" v="316" actId="478"/>
-          <ac:spMkLst>
-            <pc:docMk/>
-            <pc:sldMk cId="3050474417" sldId="422"/>
-            <ac:spMk id="3" creationId="{C68963A0-C0AE-AE4F-ABA0-768940FF49F3}"/>
-          </ac:spMkLst>
-        </pc:spChg>
-        <pc:picChg chg="add mod">
-          <ac:chgData name="Arjan Kamberg" userId="2cfeac95-aab1-41a7-bca5-796b19d85bc0" providerId="ADAL" clId="{87327C69-187A-9E4A-B2BB-AFE23CD4AF56}" dt="2022-02-21T11:11:58.293" v="320" actId="1076"/>
-          <ac:picMkLst>
-            <pc:docMk/>
-            <pc:sldMk cId="3050474417" sldId="422"/>
-            <ac:picMk id="5" creationId="{43822AFF-A567-E24C-AFED-944BD7193B4F}"/>
-          </ac:picMkLst>
-        </pc:picChg>
-        <pc:picChg chg="add mod">
-          <ac:chgData name="Arjan Kamberg" userId="2cfeac95-aab1-41a7-bca5-796b19d85bc0" providerId="ADAL" clId="{87327C69-187A-9E4A-B2BB-AFE23CD4AF56}" dt="2022-02-21T11:11:59.829" v="321" actId="1076"/>
-          <ac:picMkLst>
-            <pc:docMk/>
-            <pc:sldMk cId="3050474417" sldId="422"/>
-            <ac:picMk id="6" creationId="{7987AEC8-EF30-8540-906C-94D9A3B212C8}"/>
-          </ac:picMkLst>
-        </pc:picChg>
-        <pc:inkChg chg="add del">
-          <ac:chgData name="Arjan Kamberg" userId="2cfeac95-aab1-41a7-bca5-796b19d85bc0" providerId="ADAL" clId="{87327C69-187A-9E4A-B2BB-AFE23CD4AF56}" dt="2022-02-21T11:11:15.433" v="313" actId="9405"/>
-          <ac:inkMkLst>
-            <pc:docMk/>
-            <pc:sldMk cId="3050474417" sldId="422"/>
-            <ac:inkMk id="4" creationId="{CD4365D5-9940-D54B-8072-481D6E4A93D2}"/>
-          </ac:inkMkLst>
-        </pc:inkChg>
-      </pc:sldChg>
-      <pc:sldChg chg="addSp delSp modSp new mod">
-        <pc:chgData name="Arjan Kamberg" userId="2cfeac95-aab1-41a7-bca5-796b19d85bc0" providerId="ADAL" clId="{87327C69-187A-9E4A-B2BB-AFE23CD4AF56}" dt="2022-02-21T11:16:09.598" v="638"/>
-        <pc:sldMkLst>
-          <pc:docMk/>
-          <pc:sldMk cId="1951791553" sldId="423"/>
-        </pc:sldMkLst>
-        <pc:spChg chg="mod">
-          <ac:chgData name="Arjan Kamberg" userId="2cfeac95-aab1-41a7-bca5-796b19d85bc0" providerId="ADAL" clId="{87327C69-187A-9E4A-B2BB-AFE23CD4AF56}" dt="2022-02-21T11:12:46.348" v="381" actId="20577"/>
-          <ac:spMkLst>
-            <pc:docMk/>
-            <pc:sldMk cId="1951791553" sldId="423"/>
-            <ac:spMk id="2" creationId="{39A5283F-C095-CE4E-987D-0EE866A148D9}"/>
-          </ac:spMkLst>
-        </pc:spChg>
-        <pc:spChg chg="del">
-          <ac:chgData name="Arjan Kamberg" userId="2cfeac95-aab1-41a7-bca5-796b19d85bc0" providerId="ADAL" clId="{87327C69-187A-9E4A-B2BB-AFE23CD4AF56}" dt="2022-02-21T11:14:55.603" v="384"/>
-          <ac:spMkLst>
-            <pc:docMk/>
-            <pc:sldMk cId="1951791553" sldId="423"/>
-            <ac:spMk id="3" creationId="{B210B119-5B6C-E344-A088-D3D199A3A6EE}"/>
-          </ac:spMkLst>
-        </pc:spChg>
-        <pc:spChg chg="add del mod">
-          <ac:chgData name="Arjan Kamberg" userId="2cfeac95-aab1-41a7-bca5-796b19d85bc0" providerId="ADAL" clId="{87327C69-187A-9E4A-B2BB-AFE23CD4AF56}" dt="2022-02-21T11:16:09.598" v="638"/>
-          <ac:spMkLst>
-            <pc:docMk/>
-            <pc:sldMk cId="1951791553" sldId="423"/>
-            <ac:spMk id="5" creationId="{F63C2922-1EDD-184F-9447-E9BD5E555EE8}"/>
-          </ac:spMkLst>
-        </pc:spChg>
-        <pc:spChg chg="add mod">
-          <ac:chgData name="Arjan Kamberg" userId="2cfeac95-aab1-41a7-bca5-796b19d85bc0" providerId="ADAL" clId="{87327C69-187A-9E4A-B2BB-AFE23CD4AF56}" dt="2022-02-21T11:16:05.438" v="636" actId="20577"/>
-          <ac:spMkLst>
-            <pc:docMk/>
-            <pc:sldMk cId="1951791553" sldId="423"/>
-            <ac:spMk id="6" creationId="{625C012B-A94F-DA41-B729-A34E424133B8}"/>
-          </ac:spMkLst>
-        </pc:spChg>
-        <pc:picChg chg="add mod">
-          <ac:chgData name="Arjan Kamberg" userId="2cfeac95-aab1-41a7-bca5-796b19d85bc0" providerId="ADAL" clId="{87327C69-187A-9E4A-B2BB-AFE23CD4AF56}" dt="2022-02-21T11:14:58.446" v="385" actId="1076"/>
-          <ac:picMkLst>
-            <pc:docMk/>
-            <pc:sldMk cId="1951791553" sldId="423"/>
-            <ac:picMk id="4" creationId="{6E83F10A-4AE7-BF4C-A709-745D3F93A627}"/>
-          </ac:picMkLst>
-        </pc:picChg>
-      </pc:sldChg>
-      <pc:sldChg chg="addSp add">
-        <pc:chgData name="Arjan Kamberg" userId="2cfeac95-aab1-41a7-bca5-796b19d85bc0" providerId="ADAL" clId="{87327C69-187A-9E4A-B2BB-AFE23CD4AF56}" dt="2022-02-21T11:14:28.458" v="383"/>
-        <pc:sldMkLst>
-          <pc:docMk/>
-          <pc:sldMk cId="2302425593" sldId="424"/>
-        </pc:sldMkLst>
-        <pc:picChg chg="add">
-          <ac:chgData name="Arjan Kamberg" userId="2cfeac95-aab1-41a7-bca5-796b19d85bc0" providerId="ADAL" clId="{87327C69-187A-9E4A-B2BB-AFE23CD4AF56}" dt="2022-02-21T11:14:28.458" v="383"/>
-          <ac:picMkLst>
-            <pc:docMk/>
-            <pc:sldMk cId="2302425593" sldId="424"/>
-            <ac:picMk id="4" creationId="{D666E416-4BED-0040-A1CA-06CDA0FB8D46}"/>
-          </ac:picMkLst>
-        </pc:picChg>
-      </pc:sldChg>
-      <pc:sldChg chg="addSp delSp modSp new mod">
-        <pc:chgData name="Arjan Kamberg" userId="2cfeac95-aab1-41a7-bca5-796b19d85bc0" providerId="ADAL" clId="{87327C69-187A-9E4A-B2BB-AFE23CD4AF56}" dt="2022-02-22T22:19:25.409" v="989" actId="1076"/>
-        <pc:sldMkLst>
-          <pc:docMk/>
-          <pc:sldMk cId="3739569251" sldId="425"/>
-        </pc:sldMkLst>
-        <pc:spChg chg="mod">
-          <ac:chgData name="Arjan Kamberg" userId="2cfeac95-aab1-41a7-bca5-796b19d85bc0" providerId="ADAL" clId="{87327C69-187A-9E4A-B2BB-AFE23CD4AF56}" dt="2022-02-21T11:17:40.543" v="671" actId="20577"/>
-          <ac:spMkLst>
-            <pc:docMk/>
-            <pc:sldMk cId="3739569251" sldId="425"/>
-            <ac:spMk id="2" creationId="{8320ACB2-C527-EA4A-A70D-C4C6360CC9E4}"/>
-          </ac:spMkLst>
-        </pc:spChg>
-        <pc:spChg chg="mod">
-          <ac:chgData name="Arjan Kamberg" userId="2cfeac95-aab1-41a7-bca5-796b19d85bc0" providerId="ADAL" clId="{87327C69-187A-9E4A-B2BB-AFE23CD4AF56}" dt="2022-02-21T11:33:35.708" v="937" actId="1076"/>
-          <ac:spMkLst>
-            <pc:docMk/>
-            <pc:sldMk cId="3739569251" sldId="425"/>
-            <ac:spMk id="3" creationId="{22E8B059-9C70-5E48-B9A8-23A5989A1A02}"/>
-          </ac:spMkLst>
-        </pc:spChg>
-        <pc:grpChg chg="add del mod">
-          <ac:chgData name="Arjan Kamberg" userId="2cfeac95-aab1-41a7-bca5-796b19d85bc0" providerId="ADAL" clId="{87327C69-187A-9E4A-B2BB-AFE23CD4AF56}" dt="2022-02-22T22:18:43.468" v="983"/>
-          <ac:grpSpMkLst>
-            <pc:docMk/>
-            <pc:sldMk cId="3739569251" sldId="425"/>
-            <ac:grpSpMk id="11" creationId="{3541A2C4-205F-D645-BCF9-408465D0C12D}"/>
-          </ac:grpSpMkLst>
-        </pc:grpChg>
-        <pc:grpChg chg="mod">
-          <ac:chgData name="Arjan Kamberg" userId="2cfeac95-aab1-41a7-bca5-796b19d85bc0" providerId="ADAL" clId="{87327C69-187A-9E4A-B2BB-AFE23CD4AF56}" dt="2022-02-22T22:18:43.137" v="981"/>
-          <ac:grpSpMkLst>
-            <pc:docMk/>
-            <pc:sldMk cId="3739569251" sldId="425"/>
-            <ac:grpSpMk id="13" creationId="{84635256-F0D3-D346-AFA0-362A73944C7D}"/>
-          </ac:grpSpMkLst>
-        </pc:grpChg>
-        <pc:grpChg chg="mod">
-          <ac:chgData name="Arjan Kamberg" userId="2cfeac95-aab1-41a7-bca5-796b19d85bc0" providerId="ADAL" clId="{87327C69-187A-9E4A-B2BB-AFE23CD4AF56}" dt="2022-02-22T22:18:42.168" v="978"/>
-          <ac:grpSpMkLst>
-            <pc:docMk/>
-            <pc:sldMk cId="3739569251" sldId="425"/>
-            <ac:grpSpMk id="16" creationId="{6F64A72B-BB16-BB49-A87B-41B43B4EB6FF}"/>
-          </ac:grpSpMkLst>
-        </pc:grpChg>
-        <pc:picChg chg="add mod">
-          <ac:chgData name="Arjan Kamberg" userId="2cfeac95-aab1-41a7-bca5-796b19d85bc0" providerId="ADAL" clId="{87327C69-187A-9E4A-B2BB-AFE23CD4AF56}" dt="2022-02-21T11:33:40.392" v="938" actId="1076"/>
-          <ac:picMkLst>
-            <pc:docMk/>
-            <pc:sldMk cId="3739569251" sldId="425"/>
-            <ac:picMk id="4" creationId="{DDD6401F-7169-184D-9D42-87A21DE40916}"/>
-          </ac:picMkLst>
-        </pc:picChg>
-        <pc:picChg chg="add mod">
-          <ac:chgData name="Arjan Kamberg" userId="2cfeac95-aab1-41a7-bca5-796b19d85bc0" providerId="ADAL" clId="{87327C69-187A-9E4A-B2BB-AFE23CD4AF56}" dt="2022-02-22T22:19:25.409" v="989" actId="1076"/>
-          <ac:picMkLst>
-            <pc:docMk/>
-            <pc:sldMk cId="3739569251" sldId="425"/>
-            <ac:picMk id="17" creationId="{6FEFC8E1-B2FC-DE4B-8032-F42F336BF223}"/>
-          </ac:picMkLst>
-        </pc:picChg>
-        <pc:picChg chg="add mod">
-          <ac:chgData name="Arjan Kamberg" userId="2cfeac95-aab1-41a7-bca5-796b19d85bc0" providerId="ADAL" clId="{87327C69-187A-9E4A-B2BB-AFE23CD4AF56}" dt="2022-02-22T22:19:14.161" v="988" actId="1076"/>
-          <ac:picMkLst>
-            <pc:docMk/>
-            <pc:sldMk cId="3739569251" sldId="425"/>
-            <ac:picMk id="18" creationId="{5CF8B945-7581-6B4E-961B-82523EE72C1B}"/>
-          </ac:picMkLst>
-        </pc:picChg>
-        <pc:inkChg chg="add">
-          <ac:chgData name="Arjan Kamberg" userId="2cfeac95-aab1-41a7-bca5-796b19d85bc0" providerId="ADAL" clId="{87327C69-187A-9E4A-B2BB-AFE23CD4AF56}" dt="2022-02-22T22:17:07.369" v="964" actId="9405"/>
-          <ac:inkMkLst>
-            <pc:docMk/>
-            <pc:sldMk cId="3739569251" sldId="425"/>
-            <ac:inkMk id="5" creationId="{FC308335-32E2-D047-9270-57C73EEC6EF6}"/>
-          </ac:inkMkLst>
-        </pc:inkChg>
-        <pc:inkChg chg="add">
-          <ac:chgData name="Arjan Kamberg" userId="2cfeac95-aab1-41a7-bca5-796b19d85bc0" providerId="ADAL" clId="{87327C69-187A-9E4A-B2BB-AFE23CD4AF56}" dt="2022-02-22T22:17:12.595" v="965" actId="9405"/>
-          <ac:inkMkLst>
-            <pc:docMk/>
-            <pc:sldMk cId="3739569251" sldId="425"/>
-            <ac:inkMk id="6" creationId="{FFDED9C8-F0F9-FB4E-A93F-2EA9BE3956AF}"/>
-          </ac:inkMkLst>
-        </pc:inkChg>
-        <pc:inkChg chg="add del">
-          <ac:chgData name="Arjan Kamberg" userId="2cfeac95-aab1-41a7-bca5-796b19d85bc0" providerId="ADAL" clId="{87327C69-187A-9E4A-B2BB-AFE23CD4AF56}" dt="2022-02-22T22:17:26.938" v="967" actId="9405"/>
-          <ac:inkMkLst>
-            <pc:docMk/>
-            <pc:sldMk cId="3739569251" sldId="425"/>
-            <ac:inkMk id="7" creationId="{43581A94-F34F-5248-BE91-65AFF5AB1132}"/>
-          </ac:inkMkLst>
-        </pc:inkChg>
-        <pc:inkChg chg="add">
-          <ac:chgData name="Arjan Kamberg" userId="2cfeac95-aab1-41a7-bca5-796b19d85bc0" providerId="ADAL" clId="{87327C69-187A-9E4A-B2BB-AFE23CD4AF56}" dt="2022-02-22T22:18:12.545" v="968" actId="9405"/>
-          <ac:inkMkLst>
-            <pc:docMk/>
-            <pc:sldMk cId="3739569251" sldId="425"/>
-            <ac:inkMk id="8" creationId="{EA6B444B-2885-6C40-B8B2-984F0A0661B2}"/>
-          </ac:inkMkLst>
-        </pc:inkChg>
-        <pc:inkChg chg="add del mod">
-          <ac:chgData name="Arjan Kamberg" userId="2cfeac95-aab1-41a7-bca5-796b19d85bc0" providerId="ADAL" clId="{87327C69-187A-9E4A-B2BB-AFE23CD4AF56}" dt="2022-02-22T22:18:43.871" v="984" actId="9405"/>
-          <ac:inkMkLst>
-            <pc:docMk/>
-            <pc:sldMk cId="3739569251" sldId="425"/>
-            <ac:inkMk id="9" creationId="{B96FF115-A83F-404D-BD99-59F274E06767}"/>
-          </ac:inkMkLst>
-        </pc:inkChg>
-        <pc:inkChg chg="add del mod">
-          <ac:chgData name="Arjan Kamberg" userId="2cfeac95-aab1-41a7-bca5-796b19d85bc0" providerId="ADAL" clId="{87327C69-187A-9E4A-B2BB-AFE23CD4AF56}" dt="2022-02-22T22:18:43.468" v="983"/>
-          <ac:inkMkLst>
-            <pc:docMk/>
-            <pc:sldMk cId="3739569251" sldId="425"/>
-            <ac:inkMk id="10" creationId="{43A3F2AC-9B3D-B347-B864-108F37A3AE95}"/>
-          </ac:inkMkLst>
-        </pc:inkChg>
-        <pc:inkChg chg="add del mod">
-          <ac:chgData name="Arjan Kamberg" userId="2cfeac95-aab1-41a7-bca5-796b19d85bc0" providerId="ADAL" clId="{87327C69-187A-9E4A-B2BB-AFE23CD4AF56}" dt="2022-02-22T22:18:43.137" v="981"/>
-          <ac:inkMkLst>
-            <pc:docMk/>
-            <pc:sldMk cId="3739569251" sldId="425"/>
-            <ac:inkMk id="12" creationId="{FEC39501-FA9A-2042-8075-EB23053D0BA7}"/>
-          </ac:inkMkLst>
-        </pc:inkChg>
-        <pc:inkChg chg="add del mod">
-          <ac:chgData name="Arjan Kamberg" userId="2cfeac95-aab1-41a7-bca5-796b19d85bc0" providerId="ADAL" clId="{87327C69-187A-9E4A-B2BB-AFE23CD4AF56}" dt="2022-02-22T22:18:42.735" v="979" actId="9405"/>
-          <ac:inkMkLst>
-            <pc:docMk/>
-            <pc:sldMk cId="3739569251" sldId="425"/>
-            <ac:inkMk id="14" creationId="{28195AE0-EB06-7D4A-8CA3-C9C9E93212A7}"/>
-          </ac:inkMkLst>
-        </pc:inkChg>
-        <pc:inkChg chg="add del mod">
-          <ac:chgData name="Arjan Kamberg" userId="2cfeac95-aab1-41a7-bca5-796b19d85bc0" providerId="ADAL" clId="{87327C69-187A-9E4A-B2BB-AFE23CD4AF56}" dt="2022-02-22T22:18:42.168" v="978"/>
-          <ac:inkMkLst>
-            <pc:docMk/>
-            <pc:sldMk cId="3739569251" sldId="425"/>
-            <ac:inkMk id="15" creationId="{B39E513A-F986-C74E-9D40-EAEF8FAABF2B}"/>
-          </ac:inkMkLst>
-        </pc:inkChg>
-      </pc:sldChg>
-      <pc:sldChg chg="addSp modSp new mod">
-        <pc:chgData name="Arjan Kamberg" userId="2cfeac95-aab1-41a7-bca5-796b19d85bc0" providerId="ADAL" clId="{87327C69-187A-9E4A-B2BB-AFE23CD4AF56}" dt="2022-02-21T11:43:29.464" v="941" actId="1076"/>
-        <pc:sldMkLst>
-          <pc:docMk/>
-          <pc:sldMk cId="4194075573" sldId="426"/>
-        </pc:sldMkLst>
-        <pc:picChg chg="add mod">
-          <ac:chgData name="Arjan Kamberg" userId="2cfeac95-aab1-41a7-bca5-796b19d85bc0" providerId="ADAL" clId="{87327C69-187A-9E4A-B2BB-AFE23CD4AF56}" dt="2022-02-21T11:43:29.464" v="941" actId="1076"/>
-          <ac:picMkLst>
-            <pc:docMk/>
-            <pc:sldMk cId="4194075573" sldId="426"/>
-            <ac:picMk id="4" creationId="{BAE4909D-1E98-3B40-B3AF-03AA5C238A41}"/>
-          </ac:picMkLst>
-        </pc:picChg>
-      </pc:sldChg>
-      <pc:sldChg chg="add">
-        <pc:chgData name="Arjan Kamberg" userId="2cfeac95-aab1-41a7-bca5-796b19d85bc0" providerId="ADAL" clId="{87327C69-187A-9E4A-B2BB-AFE23CD4AF56}" dt="2022-02-21T11:47:50.579" v="943" actId="2890"/>
-        <pc:sldMkLst>
-          <pc:docMk/>
-          <pc:sldMk cId="174331356" sldId="427"/>
+          <pc:sldMk cId="452055559" sldId="417"/>
         </pc:sldMkLst>
       </pc:sldChg>
     </pc:docChg>
@@ -2262,49 +1648,663 @@
     </pc:docChg>
   </pc:docChgLst>
   <pc:docChgLst>
-    <pc:chgData name="Arjan Kamberg" userId="2cfeac95-aab1-41a7-bca5-796b19d85bc0" providerId="ADAL" clId="{F79FAF97-4546-FA4E-8B77-E1D705A7800E}"/>
-    <pc:docChg chg="modSld">
-      <pc:chgData name="Arjan Kamberg" userId="2cfeac95-aab1-41a7-bca5-796b19d85bc0" providerId="ADAL" clId="{F79FAF97-4546-FA4E-8B77-E1D705A7800E}" dt="2021-03-25T21:17:23.177" v="4"/>
+    <pc:chgData name="Arjan Kamberg" userId="2cfeac95-aab1-41a7-bca5-796b19d85bc0" providerId="ADAL" clId="{87327C69-187A-9E4A-B2BB-AFE23CD4AF56}"/>
+    <pc:docChg chg="undo custSel addSld delSld modSld">
+      <pc:chgData name="Arjan Kamberg" userId="2cfeac95-aab1-41a7-bca5-796b19d85bc0" providerId="ADAL" clId="{87327C69-187A-9E4A-B2BB-AFE23CD4AF56}" dt="2022-02-22T22:19:25.409" v="989" actId="1076"/>
       <pc:docMkLst>
         <pc:docMk/>
       </pc:docMkLst>
-      <pc:sldChg chg="addSp delSp modSp mod">
-        <pc:chgData name="Arjan Kamberg" userId="2cfeac95-aab1-41a7-bca5-796b19d85bc0" providerId="ADAL" clId="{F79FAF97-4546-FA4E-8B77-E1D705A7800E}" dt="2021-03-25T21:17:23.177" v="4"/>
+      <pc:sldChg chg="modSp mod">
+        <pc:chgData name="Arjan Kamberg" userId="2cfeac95-aab1-41a7-bca5-796b19d85bc0" providerId="ADAL" clId="{87327C69-187A-9E4A-B2BB-AFE23CD4AF56}" dt="2022-02-21T11:49:38.909" v="952" actId="20577"/>
         <pc:sldMkLst>
           <pc:docMk/>
-          <pc:sldMk cId="2141729157" sldId="360"/>
+          <pc:sldMk cId="248983296" sldId="256"/>
         </pc:sldMkLst>
         <pc:spChg chg="mod">
-          <ac:chgData name="Arjan Kamberg" userId="2cfeac95-aab1-41a7-bca5-796b19d85bc0" providerId="ADAL" clId="{F79FAF97-4546-FA4E-8B77-E1D705A7800E}" dt="2021-03-25T21:17:13.513" v="1" actId="20577"/>
+          <ac:chgData name="Arjan Kamberg" userId="2cfeac95-aab1-41a7-bca5-796b19d85bc0" providerId="ADAL" clId="{87327C69-187A-9E4A-B2BB-AFE23CD4AF56}" dt="2022-02-21T11:49:38.909" v="952" actId="20577"/>
           <ac:spMkLst>
             <pc:docMk/>
-            <pc:sldMk cId="2141729157" sldId="360"/>
-            <ac:spMk id="2" creationId="{FF96216C-A868-884D-9867-B0E0AF546CB8}"/>
+            <pc:sldMk cId="248983296" sldId="256"/>
+            <ac:spMk id="8" creationId="{504648F9-71D5-4088-A705-93B3953EDA91}"/>
+          </ac:spMkLst>
+        </pc:spChg>
+      </pc:sldChg>
+      <pc:sldChg chg="del">
+        <pc:chgData name="Arjan Kamberg" userId="2cfeac95-aab1-41a7-bca5-796b19d85bc0" providerId="ADAL" clId="{87327C69-187A-9E4A-B2BB-AFE23CD4AF56}" dt="2022-02-21T10:17:56.257" v="10" actId="2696"/>
+        <pc:sldMkLst>
+          <pc:docMk/>
+          <pc:sldMk cId="4186941283" sldId="407"/>
+        </pc:sldMkLst>
+      </pc:sldChg>
+      <pc:sldChg chg="del">
+        <pc:chgData name="Arjan Kamberg" userId="2cfeac95-aab1-41a7-bca5-796b19d85bc0" providerId="ADAL" clId="{87327C69-187A-9E4A-B2BB-AFE23CD4AF56}" dt="2022-02-21T10:13:43.489" v="7" actId="2696"/>
+        <pc:sldMkLst>
+          <pc:docMk/>
+          <pc:sldMk cId="1819654445" sldId="408"/>
+        </pc:sldMkLst>
+      </pc:sldChg>
+      <pc:sldChg chg="add">
+        <pc:chgData name="Arjan Kamberg" userId="2cfeac95-aab1-41a7-bca5-796b19d85bc0" providerId="ADAL" clId="{87327C69-187A-9E4A-B2BB-AFE23CD4AF56}" dt="2022-02-21T11:46:59.887" v="942"/>
+        <pc:sldMkLst>
+          <pc:docMk/>
+          <pc:sldMk cId="3029572305" sldId="409"/>
+        </pc:sldMkLst>
+      </pc:sldChg>
+      <pc:sldChg chg="addSp delSp modSp mod">
+        <pc:chgData name="Arjan Kamberg" userId="2cfeac95-aab1-41a7-bca5-796b19d85bc0" providerId="ADAL" clId="{87327C69-187A-9E4A-B2BB-AFE23CD4AF56}" dt="2022-02-21T10:54:18.436" v="143" actId="20577"/>
+        <pc:sldMkLst>
+          <pc:docMk/>
+          <pc:sldMk cId="2807360599" sldId="411"/>
+        </pc:sldMkLst>
+        <pc:spChg chg="mod">
+          <ac:chgData name="Arjan Kamberg" userId="2cfeac95-aab1-41a7-bca5-796b19d85bc0" providerId="ADAL" clId="{87327C69-187A-9E4A-B2BB-AFE23CD4AF56}" dt="2022-02-21T10:53:11.974" v="24" actId="20577"/>
+          <ac:spMkLst>
+            <pc:docMk/>
+            <pc:sldMk cId="2807360599" sldId="411"/>
+            <ac:spMk id="2" creationId="{00000000-0000-0000-0000-000000000000}"/>
+          </ac:spMkLst>
+        </pc:spChg>
+        <pc:spChg chg="add mod">
+          <ac:chgData name="Arjan Kamberg" userId="2cfeac95-aab1-41a7-bca5-796b19d85bc0" providerId="ADAL" clId="{87327C69-187A-9E4A-B2BB-AFE23CD4AF56}" dt="2022-02-21T10:54:18.436" v="143" actId="20577"/>
+          <ac:spMkLst>
+            <pc:docMk/>
+            <pc:sldMk cId="2807360599" sldId="411"/>
+            <ac:spMk id="4" creationId="{EE394875-DE1A-7B4E-8D4A-8031D45FE1C3}"/>
+          </ac:spMkLst>
+        </pc:spChg>
+        <pc:picChg chg="add mod">
+          <ac:chgData name="Arjan Kamberg" userId="2cfeac95-aab1-41a7-bca5-796b19d85bc0" providerId="ADAL" clId="{87327C69-187A-9E4A-B2BB-AFE23CD4AF56}" dt="2022-02-21T10:53:31.663" v="30" actId="1076"/>
+          <ac:picMkLst>
+            <pc:docMk/>
+            <pc:sldMk cId="2807360599" sldId="411"/>
+            <ac:picMk id="3" creationId="{5975BABE-0269-F042-BB20-065840E2EBD4}"/>
+          </ac:picMkLst>
+        </pc:picChg>
+        <pc:picChg chg="del">
+          <ac:chgData name="Arjan Kamberg" userId="2cfeac95-aab1-41a7-bca5-796b19d85bc0" providerId="ADAL" clId="{87327C69-187A-9E4A-B2BB-AFE23CD4AF56}" dt="2022-02-21T10:17:46.496" v="8" actId="478"/>
+          <ac:picMkLst>
+            <pc:docMk/>
+            <pc:sldMk cId="2807360599" sldId="411"/>
+            <ac:picMk id="5" creationId="{00000000-0000-0000-0000-000000000000}"/>
+          </ac:picMkLst>
+        </pc:picChg>
+      </pc:sldChg>
+      <pc:sldChg chg="addSp delSp modSp mod">
+        <pc:chgData name="Arjan Kamberg" userId="2cfeac95-aab1-41a7-bca5-796b19d85bc0" providerId="ADAL" clId="{87327C69-187A-9E4A-B2BB-AFE23CD4AF56}" dt="2022-02-21T10:57:14.534" v="178" actId="478"/>
+        <pc:sldMkLst>
+          <pc:docMk/>
+          <pc:sldMk cId="2343793502" sldId="412"/>
+        </pc:sldMkLst>
+        <pc:spChg chg="mod">
+          <ac:chgData name="Arjan Kamberg" userId="2cfeac95-aab1-41a7-bca5-796b19d85bc0" providerId="ADAL" clId="{87327C69-187A-9E4A-B2BB-AFE23CD4AF56}" dt="2022-02-21T10:57:10.693" v="176" actId="20577"/>
+          <ac:spMkLst>
+            <pc:docMk/>
+            <pc:sldMk cId="2343793502" sldId="412"/>
+            <ac:spMk id="2" creationId="{00000000-0000-0000-0000-000000000000}"/>
           </ac:spMkLst>
         </pc:spChg>
         <pc:spChg chg="add del mod">
-          <ac:chgData name="Arjan Kamberg" userId="2cfeac95-aab1-41a7-bca5-796b19d85bc0" providerId="ADAL" clId="{F79FAF97-4546-FA4E-8B77-E1D705A7800E}" dt="2021-03-25T21:17:23.177" v="4"/>
+          <ac:chgData name="Arjan Kamberg" userId="2cfeac95-aab1-41a7-bca5-796b19d85bc0" providerId="ADAL" clId="{87327C69-187A-9E4A-B2BB-AFE23CD4AF56}" dt="2022-02-21T10:57:14.534" v="178" actId="478"/>
           <ac:spMkLst>
             <pc:docMk/>
-            <pc:sldMk cId="2141729157" sldId="360"/>
-            <ac:spMk id="4" creationId="{E3D4887B-CD36-2E4E-A77F-025BC5A699B5}"/>
+            <pc:sldMk cId="2343793502" sldId="412"/>
+            <ac:spMk id="5" creationId="{D73DB922-FA56-8749-97D1-256F9F0719A7}"/>
           </ac:spMkLst>
         </pc:spChg>
+        <pc:picChg chg="add">
+          <ac:chgData name="Arjan Kamberg" userId="2cfeac95-aab1-41a7-bca5-796b19d85bc0" providerId="ADAL" clId="{87327C69-187A-9E4A-B2BB-AFE23CD4AF56}" dt="2022-02-21T10:57:12.287" v="177"/>
+          <ac:picMkLst>
+            <pc:docMk/>
+            <pc:sldMk cId="2343793502" sldId="412"/>
+            <ac:picMk id="3" creationId="{DC87C538-0885-EE47-AF8E-930A0376348C}"/>
+          </ac:picMkLst>
+        </pc:picChg>
+        <pc:picChg chg="del">
+          <ac:chgData name="Arjan Kamberg" userId="2cfeac95-aab1-41a7-bca5-796b19d85bc0" providerId="ADAL" clId="{87327C69-187A-9E4A-B2BB-AFE23CD4AF56}" dt="2022-02-21T10:17:51.112" v="9" actId="478"/>
+          <ac:picMkLst>
+            <pc:docMk/>
+            <pc:sldMk cId="2343793502" sldId="412"/>
+            <ac:picMk id="4" creationId="{00000000-0000-0000-0000-000000000000}"/>
+          </ac:picMkLst>
+        </pc:picChg>
       </pc:sldChg>
-      <pc:sldChg chg="modSp mod">
-        <pc:chgData name="Arjan Kamberg" userId="2cfeac95-aab1-41a7-bca5-796b19d85bc0" providerId="ADAL" clId="{F79FAF97-4546-FA4E-8B77-E1D705A7800E}" dt="2021-03-25T21:17:17.820" v="2" actId="20577"/>
+      <pc:sldChg chg="del">
+        <pc:chgData name="Arjan Kamberg" userId="2cfeac95-aab1-41a7-bca5-796b19d85bc0" providerId="ADAL" clId="{87327C69-187A-9E4A-B2BB-AFE23CD4AF56}" dt="2022-02-21T10:17:57.990" v="11" actId="2696"/>
         <pc:sldMkLst>
           <pc:docMk/>
-          <pc:sldMk cId="3714023842" sldId="361"/>
+          <pc:sldMk cId="3245349632" sldId="413"/>
+        </pc:sldMkLst>
+      </pc:sldChg>
+      <pc:sldChg chg="addSp delSp modSp mod">
+        <pc:chgData name="Arjan Kamberg" userId="2cfeac95-aab1-41a7-bca5-796b19d85bc0" providerId="ADAL" clId="{87327C69-187A-9E4A-B2BB-AFE23CD4AF56}" dt="2022-02-21T11:02:54.797" v="233"/>
+        <pc:sldMkLst>
+          <pc:docMk/>
+          <pc:sldMk cId="498837742" sldId="414"/>
         </pc:sldMkLst>
         <pc:spChg chg="mod">
-          <ac:chgData name="Arjan Kamberg" userId="2cfeac95-aab1-41a7-bca5-796b19d85bc0" providerId="ADAL" clId="{F79FAF97-4546-FA4E-8B77-E1D705A7800E}" dt="2021-03-25T21:17:17.820" v="2" actId="20577"/>
+          <ac:chgData name="Arjan Kamberg" userId="2cfeac95-aab1-41a7-bca5-796b19d85bc0" providerId="ADAL" clId="{87327C69-187A-9E4A-B2BB-AFE23CD4AF56}" dt="2022-02-21T11:02:09.854" v="231" actId="313"/>
           <ac:spMkLst>
             <pc:docMk/>
-            <pc:sldMk cId="3714023842" sldId="361"/>
-            <ac:spMk id="2" creationId="{FF96216C-A868-884D-9867-B0E0AF546CB8}"/>
+            <pc:sldMk cId="498837742" sldId="414"/>
+            <ac:spMk id="2" creationId="{00000000-0000-0000-0000-000000000000}"/>
           </ac:spMkLst>
         </pc:spChg>
+        <pc:spChg chg="del">
+          <ac:chgData name="Arjan Kamberg" userId="2cfeac95-aab1-41a7-bca5-796b19d85bc0" providerId="ADAL" clId="{87327C69-187A-9E4A-B2BB-AFE23CD4AF56}" dt="2022-02-21T10:58:43.222" v="201" actId="478"/>
+          <ac:spMkLst>
+            <pc:docMk/>
+            <pc:sldMk cId="498837742" sldId="414"/>
+            <ac:spMk id="3" creationId="{00000000-0000-0000-0000-000000000000}"/>
+          </ac:spMkLst>
+        </pc:spChg>
+        <pc:spChg chg="add mod">
+          <ac:chgData name="Arjan Kamberg" userId="2cfeac95-aab1-41a7-bca5-796b19d85bc0" providerId="ADAL" clId="{87327C69-187A-9E4A-B2BB-AFE23CD4AF56}" dt="2022-02-21T11:01:41.761" v="225" actId="13926"/>
+          <ac:spMkLst>
+            <pc:docMk/>
+            <pc:sldMk cId="498837742" sldId="414"/>
+            <ac:spMk id="6" creationId="{2199CFDF-0737-7A4E-82FE-5100E1954357}"/>
+          </ac:spMkLst>
+        </pc:spChg>
+        <pc:picChg chg="add mod">
+          <ac:chgData name="Arjan Kamberg" userId="2cfeac95-aab1-41a7-bca5-796b19d85bc0" providerId="ADAL" clId="{87327C69-187A-9E4A-B2BB-AFE23CD4AF56}" dt="2022-02-21T11:01:19.723" v="205" actId="1076"/>
+          <ac:picMkLst>
+            <pc:docMk/>
+            <pc:sldMk cId="498837742" sldId="414"/>
+            <ac:picMk id="4" creationId="{2AFD15D1-86A4-8842-B923-9B5566B4FE5E}"/>
+          </ac:picMkLst>
+        </pc:picChg>
+        <pc:picChg chg="add mod">
+          <ac:chgData name="Arjan Kamberg" userId="2cfeac95-aab1-41a7-bca5-796b19d85bc0" providerId="ADAL" clId="{87327C69-187A-9E4A-B2BB-AFE23CD4AF56}" dt="2022-02-21T11:01:17.453" v="204" actId="14100"/>
+          <ac:picMkLst>
+            <pc:docMk/>
+            <pc:sldMk cId="498837742" sldId="414"/>
+            <ac:picMk id="5" creationId="{A93A2897-2734-254D-906A-129FF3633A10}"/>
+          </ac:picMkLst>
+        </pc:picChg>
+        <pc:picChg chg="add del">
+          <ac:chgData name="Arjan Kamberg" userId="2cfeac95-aab1-41a7-bca5-796b19d85bc0" providerId="ADAL" clId="{87327C69-187A-9E4A-B2BB-AFE23CD4AF56}" dt="2022-02-21T11:02:54.797" v="233"/>
+          <ac:picMkLst>
+            <pc:docMk/>
+            <pc:sldMk cId="498837742" sldId="414"/>
+            <ac:picMk id="10" creationId="{43B4362E-5ABE-DA48-AA19-112A219A12BA}"/>
+          </ac:picMkLst>
+        </pc:picChg>
+        <pc:inkChg chg="add del">
+          <ac:chgData name="Arjan Kamberg" userId="2cfeac95-aab1-41a7-bca5-796b19d85bc0" providerId="ADAL" clId="{87327C69-187A-9E4A-B2BB-AFE23CD4AF56}" dt="2022-02-21T11:01:54.920" v="229" actId="9405"/>
+          <ac:inkMkLst>
+            <pc:docMk/>
+            <pc:sldMk cId="498837742" sldId="414"/>
+            <ac:inkMk id="7" creationId="{76D74612-A2E9-0B41-8C59-97451D6F8A0A}"/>
+          </ac:inkMkLst>
+        </pc:inkChg>
+        <pc:inkChg chg="add del">
+          <ac:chgData name="Arjan Kamberg" userId="2cfeac95-aab1-41a7-bca5-796b19d85bc0" providerId="ADAL" clId="{87327C69-187A-9E4A-B2BB-AFE23CD4AF56}" dt="2022-02-21T11:01:54.060" v="228" actId="9405"/>
+          <ac:inkMkLst>
+            <pc:docMk/>
+            <pc:sldMk cId="498837742" sldId="414"/>
+            <ac:inkMk id="8" creationId="{F3394C8E-BCE2-5D40-A0BD-4C4CD1E6F68B}"/>
+          </ac:inkMkLst>
+        </pc:inkChg>
+        <pc:inkChg chg="add">
+          <ac:chgData name="Arjan Kamberg" userId="2cfeac95-aab1-41a7-bca5-796b19d85bc0" providerId="ADAL" clId="{87327C69-187A-9E4A-B2BB-AFE23CD4AF56}" dt="2022-02-21T11:01:57.960" v="230" actId="9405"/>
+          <ac:inkMkLst>
+            <pc:docMk/>
+            <pc:sldMk cId="498837742" sldId="414"/>
+            <ac:inkMk id="9" creationId="{D9B94457-068A-F648-B1AB-7E219BD3A47A}"/>
+          </ac:inkMkLst>
+        </pc:inkChg>
+      </pc:sldChg>
+      <pc:sldChg chg="del">
+        <pc:chgData name="Arjan Kamberg" userId="2cfeac95-aab1-41a7-bca5-796b19d85bc0" providerId="ADAL" clId="{87327C69-187A-9E4A-B2BB-AFE23CD4AF56}" dt="2022-02-21T10:18:00.760" v="12" actId="2696"/>
+        <pc:sldMkLst>
+          <pc:docMk/>
+          <pc:sldMk cId="3846216633" sldId="415"/>
+        </pc:sldMkLst>
+      </pc:sldChg>
+      <pc:sldChg chg="del">
+        <pc:chgData name="Arjan Kamberg" userId="2cfeac95-aab1-41a7-bca5-796b19d85bc0" providerId="ADAL" clId="{87327C69-187A-9E4A-B2BB-AFE23CD4AF56}" dt="2022-02-14T22:46:02.761" v="0" actId="2696"/>
+        <pc:sldMkLst>
+          <pc:docMk/>
+          <pc:sldMk cId="567114626" sldId="416"/>
+        </pc:sldMkLst>
+      </pc:sldChg>
+      <pc:sldChg chg="addSp modSp new mod">
+        <pc:chgData name="Arjan Kamberg" userId="2cfeac95-aab1-41a7-bca5-796b19d85bc0" providerId="ADAL" clId="{87327C69-187A-9E4A-B2BB-AFE23CD4AF56}" dt="2022-02-22T22:16:04.197" v="960" actId="1076"/>
+        <pc:sldMkLst>
+          <pc:docMk/>
+          <pc:sldMk cId="3116866556" sldId="418"/>
+        </pc:sldMkLst>
+        <pc:spChg chg="mod">
+          <ac:chgData name="Arjan Kamberg" userId="2cfeac95-aab1-41a7-bca5-796b19d85bc0" providerId="ADAL" clId="{87327C69-187A-9E4A-B2BB-AFE23CD4AF56}" dt="2022-02-21T11:03:20.537" v="263" actId="1076"/>
+          <ac:spMkLst>
+            <pc:docMk/>
+            <pc:sldMk cId="3116866556" sldId="418"/>
+            <ac:spMk id="2" creationId="{2F7ACA4A-1E84-6F4A-AE33-D17060D58D5B}"/>
+          </ac:spMkLst>
+        </pc:spChg>
+        <pc:picChg chg="add mod">
+          <ac:chgData name="Arjan Kamberg" userId="2cfeac95-aab1-41a7-bca5-796b19d85bc0" providerId="ADAL" clId="{87327C69-187A-9E4A-B2BB-AFE23CD4AF56}" dt="2022-02-21T11:03:04.454" v="236" actId="1076"/>
+          <ac:picMkLst>
+            <pc:docMk/>
+            <pc:sldMk cId="3116866556" sldId="418"/>
+            <ac:picMk id="4" creationId="{2ABA7B6E-BB18-0F4E-9FE5-7A196BB38A4E}"/>
+          </ac:picMkLst>
+        </pc:picChg>
+        <pc:picChg chg="add mod">
+          <ac:chgData name="Arjan Kamberg" userId="2cfeac95-aab1-41a7-bca5-796b19d85bc0" providerId="ADAL" clId="{87327C69-187A-9E4A-B2BB-AFE23CD4AF56}" dt="2022-02-22T22:16:04.197" v="960" actId="1076"/>
+          <ac:picMkLst>
+            <pc:docMk/>
+            <pc:sldMk cId="3116866556" sldId="418"/>
+            <ac:picMk id="5" creationId="{8B61EA8C-39B8-5343-8CF2-7BB15124B5A8}"/>
+          </ac:picMkLst>
+        </pc:picChg>
+      </pc:sldChg>
+      <pc:sldChg chg="addSp modSp add mod">
+        <pc:chgData name="Arjan Kamberg" userId="2cfeac95-aab1-41a7-bca5-796b19d85bc0" providerId="ADAL" clId="{87327C69-187A-9E4A-B2BB-AFE23CD4AF56}" dt="2022-02-22T22:16:24.847" v="963" actId="1076"/>
+        <pc:sldMkLst>
+          <pc:docMk/>
+          <pc:sldMk cId="312223005" sldId="419"/>
+        </pc:sldMkLst>
+        <pc:picChg chg="add mod">
+          <ac:chgData name="Arjan Kamberg" userId="2cfeac95-aab1-41a7-bca5-796b19d85bc0" providerId="ADAL" clId="{87327C69-187A-9E4A-B2BB-AFE23CD4AF56}" dt="2022-02-22T22:16:24.847" v="963" actId="1076"/>
+          <ac:picMkLst>
+            <pc:docMk/>
+            <pc:sldMk cId="312223005" sldId="419"/>
+            <ac:picMk id="6" creationId="{FA4DE978-143B-344F-B799-56559BFC8BF5}"/>
+          </ac:picMkLst>
+        </pc:picChg>
+        <pc:inkChg chg="add">
+          <ac:chgData name="Arjan Kamberg" userId="2cfeac95-aab1-41a7-bca5-796b19d85bc0" providerId="ADAL" clId="{87327C69-187A-9E4A-B2BB-AFE23CD4AF56}" dt="2022-02-21T11:03:41.222" v="265" actId="9405"/>
+          <ac:inkMkLst>
+            <pc:docMk/>
+            <pc:sldMk cId="312223005" sldId="419"/>
+            <ac:inkMk id="5" creationId="{2B75D3D1-F071-054B-8707-A5FE87640DBF}"/>
+          </ac:inkMkLst>
+        </pc:inkChg>
+      </pc:sldChg>
+      <pc:sldChg chg="addSp delSp modSp new mod">
+        <pc:chgData name="Arjan Kamberg" userId="2cfeac95-aab1-41a7-bca5-796b19d85bc0" providerId="ADAL" clId="{87327C69-187A-9E4A-B2BB-AFE23CD4AF56}" dt="2022-02-21T11:48:03.152" v="949" actId="1076"/>
+        <pc:sldMkLst>
+          <pc:docMk/>
+          <pc:sldMk cId="273185695" sldId="420"/>
+        </pc:sldMkLst>
+        <pc:spChg chg="mod">
+          <ac:chgData name="Arjan Kamberg" userId="2cfeac95-aab1-41a7-bca5-796b19d85bc0" providerId="ADAL" clId="{87327C69-187A-9E4A-B2BB-AFE23CD4AF56}" dt="2022-02-21T11:05:48.058" v="301" actId="20577"/>
+          <ac:spMkLst>
+            <pc:docMk/>
+            <pc:sldMk cId="273185695" sldId="420"/>
+            <ac:spMk id="2" creationId="{16171B3F-F0F1-8040-80EF-9FD99923CF84}"/>
+          </ac:spMkLst>
+        </pc:spChg>
+        <pc:spChg chg="del">
+          <ac:chgData name="Arjan Kamberg" userId="2cfeac95-aab1-41a7-bca5-796b19d85bc0" providerId="ADAL" clId="{87327C69-187A-9E4A-B2BB-AFE23CD4AF56}" dt="2022-02-21T11:47:57.384" v="946" actId="478"/>
+          <ac:spMkLst>
+            <pc:docMk/>
+            <pc:sldMk cId="273185695" sldId="420"/>
+            <ac:spMk id="3" creationId="{D1C679F0-98A8-6344-A07D-8384540903F3}"/>
+          </ac:spMkLst>
+        </pc:spChg>
+        <pc:picChg chg="add del">
+          <ac:chgData name="Arjan Kamberg" userId="2cfeac95-aab1-41a7-bca5-796b19d85bc0" providerId="ADAL" clId="{87327C69-187A-9E4A-B2BB-AFE23CD4AF56}" dt="2022-02-21T11:05:20.823" v="269"/>
+          <ac:picMkLst>
+            <pc:docMk/>
+            <pc:sldMk cId="273185695" sldId="420"/>
+            <ac:picMk id="5" creationId="{E2E068A2-654E-3D4A-8F19-47CBFD2F98DF}"/>
+          </ac:picMkLst>
+        </pc:picChg>
+        <pc:picChg chg="add del mod">
+          <ac:chgData name="Arjan Kamberg" userId="2cfeac95-aab1-41a7-bca5-796b19d85bc0" providerId="ADAL" clId="{87327C69-187A-9E4A-B2BB-AFE23CD4AF56}" dt="2022-02-21T11:47:53.052" v="944" actId="478"/>
+          <ac:picMkLst>
+            <pc:docMk/>
+            <pc:sldMk cId="273185695" sldId="420"/>
+            <ac:picMk id="7" creationId="{13FB7AC5-FCED-DE47-8C9E-398B4973CDC3}"/>
+          </ac:picMkLst>
+        </pc:picChg>
+        <pc:picChg chg="add del mod">
+          <ac:chgData name="Arjan Kamberg" userId="2cfeac95-aab1-41a7-bca5-796b19d85bc0" providerId="ADAL" clId="{87327C69-187A-9E4A-B2BB-AFE23CD4AF56}" dt="2022-02-21T11:47:54.360" v="945" actId="478"/>
+          <ac:picMkLst>
+            <pc:docMk/>
+            <pc:sldMk cId="273185695" sldId="420"/>
+            <ac:picMk id="8" creationId="{B80B4BC8-C4B3-7849-8C06-33B3315A94D2}"/>
+          </ac:picMkLst>
+        </pc:picChg>
+        <pc:picChg chg="add mod">
+          <ac:chgData name="Arjan Kamberg" userId="2cfeac95-aab1-41a7-bca5-796b19d85bc0" providerId="ADAL" clId="{87327C69-187A-9E4A-B2BB-AFE23CD4AF56}" dt="2022-02-21T11:48:03.152" v="949" actId="1076"/>
+          <ac:picMkLst>
+            <pc:docMk/>
+            <pc:sldMk cId="273185695" sldId="420"/>
+            <ac:picMk id="9" creationId="{35FD5E5C-5C70-E847-A49A-B648C0DB111D}"/>
+          </ac:picMkLst>
+        </pc:picChg>
+        <pc:inkChg chg="add del">
+          <ac:chgData name="Arjan Kamberg" userId="2cfeac95-aab1-41a7-bca5-796b19d85bc0" providerId="ADAL" clId="{87327C69-187A-9E4A-B2BB-AFE23CD4AF56}" dt="2022-02-21T11:05:21.349" v="270" actId="9405"/>
+          <ac:inkMkLst>
+            <pc:docMk/>
+            <pc:sldMk cId="273185695" sldId="420"/>
+            <ac:inkMk id="4" creationId="{83DBA2F7-763C-4D4C-8693-955AB7834FDF}"/>
+          </ac:inkMkLst>
+        </pc:inkChg>
+        <pc:inkChg chg="add">
+          <ac:chgData name="Arjan Kamberg" userId="2cfeac95-aab1-41a7-bca5-796b19d85bc0" providerId="ADAL" clId="{87327C69-187A-9E4A-B2BB-AFE23CD4AF56}" dt="2022-02-21T11:05:32.606" v="271" actId="9405"/>
+          <ac:inkMkLst>
+            <pc:docMk/>
+            <pc:sldMk cId="273185695" sldId="420"/>
+            <ac:inkMk id="6" creationId="{F3CB45C7-67B9-A845-B4E5-AF6B5B17878F}"/>
+          </ac:inkMkLst>
+        </pc:inkChg>
+      </pc:sldChg>
+      <pc:sldChg chg="addSp delSp modSp add mod">
+        <pc:chgData name="Arjan Kamberg" userId="2cfeac95-aab1-41a7-bca5-796b19d85bc0" providerId="ADAL" clId="{87327C69-187A-9E4A-B2BB-AFE23CD4AF56}" dt="2022-02-22T22:14:53.225" v="954"/>
+        <pc:sldMkLst>
+          <pc:docMk/>
+          <pc:sldMk cId="3822619943" sldId="421"/>
+        </pc:sldMkLst>
+        <pc:picChg chg="del">
+          <ac:chgData name="Arjan Kamberg" userId="2cfeac95-aab1-41a7-bca5-796b19d85bc0" providerId="ADAL" clId="{87327C69-187A-9E4A-B2BB-AFE23CD4AF56}" dt="2022-02-22T22:14:45.512" v="953" actId="478"/>
+          <ac:picMkLst>
+            <pc:docMk/>
+            <pc:sldMk cId="3822619943" sldId="421"/>
+            <ac:picMk id="7" creationId="{13FB7AC5-FCED-DE47-8C9E-398B4973CDC3}"/>
+          </ac:picMkLst>
+        </pc:picChg>
+        <pc:picChg chg="add mod">
+          <ac:chgData name="Arjan Kamberg" userId="2cfeac95-aab1-41a7-bca5-796b19d85bc0" providerId="ADAL" clId="{87327C69-187A-9E4A-B2BB-AFE23CD4AF56}" dt="2022-02-22T22:14:53.225" v="954"/>
+          <ac:picMkLst>
+            <pc:docMk/>
+            <pc:sldMk cId="3822619943" sldId="421"/>
+            <ac:picMk id="9" creationId="{02980F57-58AF-064F-8CF4-8DCB8613BCBF}"/>
+          </ac:picMkLst>
+        </pc:picChg>
+        <pc:inkChg chg="add del">
+          <ac:chgData name="Arjan Kamberg" userId="2cfeac95-aab1-41a7-bca5-796b19d85bc0" providerId="ADAL" clId="{87327C69-187A-9E4A-B2BB-AFE23CD4AF56}" dt="2022-02-21T11:08:44.061" v="309" actId="9405"/>
+          <ac:inkMkLst>
+            <pc:docMk/>
+            <pc:sldMk cId="3822619943" sldId="421"/>
+            <ac:inkMk id="4" creationId="{9D697308-057C-5D4C-B4EC-CF12D4C4E229}"/>
+          </ac:inkMkLst>
+        </pc:inkChg>
+        <pc:inkChg chg="add">
+          <ac:chgData name="Arjan Kamberg" userId="2cfeac95-aab1-41a7-bca5-796b19d85bc0" providerId="ADAL" clId="{87327C69-187A-9E4A-B2BB-AFE23CD4AF56}" dt="2022-02-21T11:08:48.159" v="310" actId="9405"/>
+          <ac:inkMkLst>
+            <pc:docMk/>
+            <pc:sldMk cId="3822619943" sldId="421"/>
+            <ac:inkMk id="5" creationId="{6CB53236-2473-9140-9189-E2401C18B1B5}"/>
+          </ac:inkMkLst>
+        </pc:inkChg>
+      </pc:sldChg>
+      <pc:sldChg chg="addSp delSp modSp new mod">
+        <pc:chgData name="Arjan Kamberg" userId="2cfeac95-aab1-41a7-bca5-796b19d85bc0" providerId="ADAL" clId="{87327C69-187A-9E4A-B2BB-AFE23CD4AF56}" dt="2022-02-21T11:12:15.616" v="349" actId="20577"/>
+        <pc:sldMkLst>
+          <pc:docMk/>
+          <pc:sldMk cId="3050474417" sldId="422"/>
+        </pc:sldMkLst>
+        <pc:spChg chg="mod">
+          <ac:chgData name="Arjan Kamberg" userId="2cfeac95-aab1-41a7-bca5-796b19d85bc0" providerId="ADAL" clId="{87327C69-187A-9E4A-B2BB-AFE23CD4AF56}" dt="2022-02-21T11:12:15.616" v="349" actId="20577"/>
+          <ac:spMkLst>
+            <pc:docMk/>
+            <pc:sldMk cId="3050474417" sldId="422"/>
+            <ac:spMk id="2" creationId="{A0618073-48DB-D144-A73F-6F045D31C5D2}"/>
+          </ac:spMkLst>
+        </pc:spChg>
+        <pc:spChg chg="del">
+          <ac:chgData name="Arjan Kamberg" userId="2cfeac95-aab1-41a7-bca5-796b19d85bc0" providerId="ADAL" clId="{87327C69-187A-9E4A-B2BB-AFE23CD4AF56}" dt="2022-02-21T11:11:29.969" v="316" actId="478"/>
+          <ac:spMkLst>
+            <pc:docMk/>
+            <pc:sldMk cId="3050474417" sldId="422"/>
+            <ac:spMk id="3" creationId="{C68963A0-C0AE-AE4F-ABA0-768940FF49F3}"/>
+          </ac:spMkLst>
+        </pc:spChg>
+        <pc:picChg chg="add mod">
+          <ac:chgData name="Arjan Kamberg" userId="2cfeac95-aab1-41a7-bca5-796b19d85bc0" providerId="ADAL" clId="{87327C69-187A-9E4A-B2BB-AFE23CD4AF56}" dt="2022-02-21T11:11:58.293" v="320" actId="1076"/>
+          <ac:picMkLst>
+            <pc:docMk/>
+            <pc:sldMk cId="3050474417" sldId="422"/>
+            <ac:picMk id="5" creationId="{43822AFF-A567-E24C-AFED-944BD7193B4F}"/>
+          </ac:picMkLst>
+        </pc:picChg>
+        <pc:picChg chg="add mod">
+          <ac:chgData name="Arjan Kamberg" userId="2cfeac95-aab1-41a7-bca5-796b19d85bc0" providerId="ADAL" clId="{87327C69-187A-9E4A-B2BB-AFE23CD4AF56}" dt="2022-02-21T11:11:59.829" v="321" actId="1076"/>
+          <ac:picMkLst>
+            <pc:docMk/>
+            <pc:sldMk cId="3050474417" sldId="422"/>
+            <ac:picMk id="6" creationId="{7987AEC8-EF30-8540-906C-94D9A3B212C8}"/>
+          </ac:picMkLst>
+        </pc:picChg>
+        <pc:inkChg chg="add del">
+          <ac:chgData name="Arjan Kamberg" userId="2cfeac95-aab1-41a7-bca5-796b19d85bc0" providerId="ADAL" clId="{87327C69-187A-9E4A-B2BB-AFE23CD4AF56}" dt="2022-02-21T11:11:15.433" v="313" actId="9405"/>
+          <ac:inkMkLst>
+            <pc:docMk/>
+            <pc:sldMk cId="3050474417" sldId="422"/>
+            <ac:inkMk id="4" creationId="{CD4365D5-9940-D54B-8072-481D6E4A93D2}"/>
+          </ac:inkMkLst>
+        </pc:inkChg>
+      </pc:sldChg>
+      <pc:sldChg chg="addSp delSp modSp new mod">
+        <pc:chgData name="Arjan Kamberg" userId="2cfeac95-aab1-41a7-bca5-796b19d85bc0" providerId="ADAL" clId="{87327C69-187A-9E4A-B2BB-AFE23CD4AF56}" dt="2022-02-21T11:16:09.598" v="638"/>
+        <pc:sldMkLst>
+          <pc:docMk/>
+          <pc:sldMk cId="1951791553" sldId="423"/>
+        </pc:sldMkLst>
+        <pc:spChg chg="mod">
+          <ac:chgData name="Arjan Kamberg" userId="2cfeac95-aab1-41a7-bca5-796b19d85bc0" providerId="ADAL" clId="{87327C69-187A-9E4A-B2BB-AFE23CD4AF56}" dt="2022-02-21T11:12:46.348" v="381" actId="20577"/>
+          <ac:spMkLst>
+            <pc:docMk/>
+            <pc:sldMk cId="1951791553" sldId="423"/>
+            <ac:spMk id="2" creationId="{39A5283F-C095-CE4E-987D-0EE866A148D9}"/>
+          </ac:spMkLst>
+        </pc:spChg>
+        <pc:spChg chg="del">
+          <ac:chgData name="Arjan Kamberg" userId="2cfeac95-aab1-41a7-bca5-796b19d85bc0" providerId="ADAL" clId="{87327C69-187A-9E4A-B2BB-AFE23CD4AF56}" dt="2022-02-21T11:14:55.603" v="384"/>
+          <ac:spMkLst>
+            <pc:docMk/>
+            <pc:sldMk cId="1951791553" sldId="423"/>
+            <ac:spMk id="3" creationId="{B210B119-5B6C-E344-A088-D3D199A3A6EE}"/>
+          </ac:spMkLst>
+        </pc:spChg>
+        <pc:spChg chg="add del mod">
+          <ac:chgData name="Arjan Kamberg" userId="2cfeac95-aab1-41a7-bca5-796b19d85bc0" providerId="ADAL" clId="{87327C69-187A-9E4A-B2BB-AFE23CD4AF56}" dt="2022-02-21T11:16:09.598" v="638"/>
+          <ac:spMkLst>
+            <pc:docMk/>
+            <pc:sldMk cId="1951791553" sldId="423"/>
+            <ac:spMk id="5" creationId="{F63C2922-1EDD-184F-9447-E9BD5E555EE8}"/>
+          </ac:spMkLst>
+        </pc:spChg>
+        <pc:spChg chg="add mod">
+          <ac:chgData name="Arjan Kamberg" userId="2cfeac95-aab1-41a7-bca5-796b19d85bc0" providerId="ADAL" clId="{87327C69-187A-9E4A-B2BB-AFE23CD4AF56}" dt="2022-02-21T11:16:05.438" v="636" actId="20577"/>
+          <ac:spMkLst>
+            <pc:docMk/>
+            <pc:sldMk cId="1951791553" sldId="423"/>
+            <ac:spMk id="6" creationId="{625C012B-A94F-DA41-B729-A34E424133B8}"/>
+          </ac:spMkLst>
+        </pc:spChg>
+        <pc:picChg chg="add mod">
+          <ac:chgData name="Arjan Kamberg" userId="2cfeac95-aab1-41a7-bca5-796b19d85bc0" providerId="ADAL" clId="{87327C69-187A-9E4A-B2BB-AFE23CD4AF56}" dt="2022-02-21T11:14:58.446" v="385" actId="1076"/>
+          <ac:picMkLst>
+            <pc:docMk/>
+            <pc:sldMk cId="1951791553" sldId="423"/>
+            <ac:picMk id="4" creationId="{6E83F10A-4AE7-BF4C-A709-745D3F93A627}"/>
+          </ac:picMkLst>
+        </pc:picChg>
+      </pc:sldChg>
+      <pc:sldChg chg="addSp add">
+        <pc:chgData name="Arjan Kamberg" userId="2cfeac95-aab1-41a7-bca5-796b19d85bc0" providerId="ADAL" clId="{87327C69-187A-9E4A-B2BB-AFE23CD4AF56}" dt="2022-02-21T11:14:28.458" v="383"/>
+        <pc:sldMkLst>
+          <pc:docMk/>
+          <pc:sldMk cId="2302425593" sldId="424"/>
+        </pc:sldMkLst>
+        <pc:picChg chg="add">
+          <ac:chgData name="Arjan Kamberg" userId="2cfeac95-aab1-41a7-bca5-796b19d85bc0" providerId="ADAL" clId="{87327C69-187A-9E4A-B2BB-AFE23CD4AF56}" dt="2022-02-21T11:14:28.458" v="383"/>
+          <ac:picMkLst>
+            <pc:docMk/>
+            <pc:sldMk cId="2302425593" sldId="424"/>
+            <ac:picMk id="4" creationId="{D666E416-4BED-0040-A1CA-06CDA0FB8D46}"/>
+          </ac:picMkLst>
+        </pc:picChg>
+      </pc:sldChg>
+      <pc:sldChg chg="addSp delSp modSp new mod">
+        <pc:chgData name="Arjan Kamberg" userId="2cfeac95-aab1-41a7-bca5-796b19d85bc0" providerId="ADAL" clId="{87327C69-187A-9E4A-B2BB-AFE23CD4AF56}" dt="2022-02-22T22:19:25.409" v="989" actId="1076"/>
+        <pc:sldMkLst>
+          <pc:docMk/>
+          <pc:sldMk cId="3739569251" sldId="425"/>
+        </pc:sldMkLst>
+        <pc:spChg chg="mod">
+          <ac:chgData name="Arjan Kamberg" userId="2cfeac95-aab1-41a7-bca5-796b19d85bc0" providerId="ADAL" clId="{87327C69-187A-9E4A-B2BB-AFE23CD4AF56}" dt="2022-02-21T11:17:40.543" v="671" actId="20577"/>
+          <ac:spMkLst>
+            <pc:docMk/>
+            <pc:sldMk cId="3739569251" sldId="425"/>
+            <ac:spMk id="2" creationId="{8320ACB2-C527-EA4A-A70D-C4C6360CC9E4}"/>
+          </ac:spMkLst>
+        </pc:spChg>
+        <pc:spChg chg="mod">
+          <ac:chgData name="Arjan Kamberg" userId="2cfeac95-aab1-41a7-bca5-796b19d85bc0" providerId="ADAL" clId="{87327C69-187A-9E4A-B2BB-AFE23CD4AF56}" dt="2022-02-21T11:33:35.708" v="937" actId="1076"/>
+          <ac:spMkLst>
+            <pc:docMk/>
+            <pc:sldMk cId="3739569251" sldId="425"/>
+            <ac:spMk id="3" creationId="{22E8B059-9C70-5E48-B9A8-23A5989A1A02}"/>
+          </ac:spMkLst>
+        </pc:spChg>
+        <pc:grpChg chg="add del mod">
+          <ac:chgData name="Arjan Kamberg" userId="2cfeac95-aab1-41a7-bca5-796b19d85bc0" providerId="ADAL" clId="{87327C69-187A-9E4A-B2BB-AFE23CD4AF56}" dt="2022-02-22T22:18:43.468" v="983"/>
+          <ac:grpSpMkLst>
+            <pc:docMk/>
+            <pc:sldMk cId="3739569251" sldId="425"/>
+            <ac:grpSpMk id="11" creationId="{3541A2C4-205F-D645-BCF9-408465D0C12D}"/>
+          </ac:grpSpMkLst>
+        </pc:grpChg>
+        <pc:grpChg chg="mod">
+          <ac:chgData name="Arjan Kamberg" userId="2cfeac95-aab1-41a7-bca5-796b19d85bc0" providerId="ADAL" clId="{87327C69-187A-9E4A-B2BB-AFE23CD4AF56}" dt="2022-02-22T22:18:43.137" v="981"/>
+          <ac:grpSpMkLst>
+            <pc:docMk/>
+            <pc:sldMk cId="3739569251" sldId="425"/>
+            <ac:grpSpMk id="13" creationId="{84635256-F0D3-D346-AFA0-362A73944C7D}"/>
+          </ac:grpSpMkLst>
+        </pc:grpChg>
+        <pc:grpChg chg="mod">
+          <ac:chgData name="Arjan Kamberg" userId="2cfeac95-aab1-41a7-bca5-796b19d85bc0" providerId="ADAL" clId="{87327C69-187A-9E4A-B2BB-AFE23CD4AF56}" dt="2022-02-22T22:18:42.168" v="978"/>
+          <ac:grpSpMkLst>
+            <pc:docMk/>
+            <pc:sldMk cId="3739569251" sldId="425"/>
+            <ac:grpSpMk id="16" creationId="{6F64A72B-BB16-BB49-A87B-41B43B4EB6FF}"/>
+          </ac:grpSpMkLst>
+        </pc:grpChg>
+        <pc:picChg chg="add mod">
+          <ac:chgData name="Arjan Kamberg" userId="2cfeac95-aab1-41a7-bca5-796b19d85bc0" providerId="ADAL" clId="{87327C69-187A-9E4A-B2BB-AFE23CD4AF56}" dt="2022-02-21T11:33:40.392" v="938" actId="1076"/>
+          <ac:picMkLst>
+            <pc:docMk/>
+            <pc:sldMk cId="3739569251" sldId="425"/>
+            <ac:picMk id="4" creationId="{DDD6401F-7169-184D-9D42-87A21DE40916}"/>
+          </ac:picMkLst>
+        </pc:picChg>
+        <pc:picChg chg="add mod">
+          <ac:chgData name="Arjan Kamberg" userId="2cfeac95-aab1-41a7-bca5-796b19d85bc0" providerId="ADAL" clId="{87327C69-187A-9E4A-B2BB-AFE23CD4AF56}" dt="2022-02-22T22:19:25.409" v="989" actId="1076"/>
+          <ac:picMkLst>
+            <pc:docMk/>
+            <pc:sldMk cId="3739569251" sldId="425"/>
+            <ac:picMk id="17" creationId="{6FEFC8E1-B2FC-DE4B-8032-F42F336BF223}"/>
+          </ac:picMkLst>
+        </pc:picChg>
+        <pc:picChg chg="add mod">
+          <ac:chgData name="Arjan Kamberg" userId="2cfeac95-aab1-41a7-bca5-796b19d85bc0" providerId="ADAL" clId="{87327C69-187A-9E4A-B2BB-AFE23CD4AF56}" dt="2022-02-22T22:19:14.161" v="988" actId="1076"/>
+          <ac:picMkLst>
+            <pc:docMk/>
+            <pc:sldMk cId="3739569251" sldId="425"/>
+            <ac:picMk id="18" creationId="{5CF8B945-7581-6B4E-961B-82523EE72C1B}"/>
+          </ac:picMkLst>
+        </pc:picChg>
+        <pc:inkChg chg="add">
+          <ac:chgData name="Arjan Kamberg" userId="2cfeac95-aab1-41a7-bca5-796b19d85bc0" providerId="ADAL" clId="{87327C69-187A-9E4A-B2BB-AFE23CD4AF56}" dt="2022-02-22T22:17:07.369" v="964" actId="9405"/>
+          <ac:inkMkLst>
+            <pc:docMk/>
+            <pc:sldMk cId="3739569251" sldId="425"/>
+            <ac:inkMk id="5" creationId="{FC308335-32E2-D047-9270-57C73EEC6EF6}"/>
+          </ac:inkMkLst>
+        </pc:inkChg>
+        <pc:inkChg chg="add">
+          <ac:chgData name="Arjan Kamberg" userId="2cfeac95-aab1-41a7-bca5-796b19d85bc0" providerId="ADAL" clId="{87327C69-187A-9E4A-B2BB-AFE23CD4AF56}" dt="2022-02-22T22:17:12.595" v="965" actId="9405"/>
+          <ac:inkMkLst>
+            <pc:docMk/>
+            <pc:sldMk cId="3739569251" sldId="425"/>
+            <ac:inkMk id="6" creationId="{FFDED9C8-F0F9-FB4E-A93F-2EA9BE3956AF}"/>
+          </ac:inkMkLst>
+        </pc:inkChg>
+        <pc:inkChg chg="add del">
+          <ac:chgData name="Arjan Kamberg" userId="2cfeac95-aab1-41a7-bca5-796b19d85bc0" providerId="ADAL" clId="{87327C69-187A-9E4A-B2BB-AFE23CD4AF56}" dt="2022-02-22T22:17:26.938" v="967" actId="9405"/>
+          <ac:inkMkLst>
+            <pc:docMk/>
+            <pc:sldMk cId="3739569251" sldId="425"/>
+            <ac:inkMk id="7" creationId="{43581A94-F34F-5248-BE91-65AFF5AB1132}"/>
+          </ac:inkMkLst>
+        </pc:inkChg>
+        <pc:inkChg chg="add">
+          <ac:chgData name="Arjan Kamberg" userId="2cfeac95-aab1-41a7-bca5-796b19d85bc0" providerId="ADAL" clId="{87327C69-187A-9E4A-B2BB-AFE23CD4AF56}" dt="2022-02-22T22:18:12.545" v="968" actId="9405"/>
+          <ac:inkMkLst>
+            <pc:docMk/>
+            <pc:sldMk cId="3739569251" sldId="425"/>
+            <ac:inkMk id="8" creationId="{EA6B444B-2885-6C40-B8B2-984F0A0661B2}"/>
+          </ac:inkMkLst>
+        </pc:inkChg>
+        <pc:inkChg chg="add del mod">
+          <ac:chgData name="Arjan Kamberg" userId="2cfeac95-aab1-41a7-bca5-796b19d85bc0" providerId="ADAL" clId="{87327C69-187A-9E4A-B2BB-AFE23CD4AF56}" dt="2022-02-22T22:18:43.871" v="984" actId="9405"/>
+          <ac:inkMkLst>
+            <pc:docMk/>
+            <pc:sldMk cId="3739569251" sldId="425"/>
+            <ac:inkMk id="9" creationId="{B96FF115-A83F-404D-BD99-59F274E06767}"/>
+          </ac:inkMkLst>
+        </pc:inkChg>
+        <pc:inkChg chg="add del mod">
+          <ac:chgData name="Arjan Kamberg" userId="2cfeac95-aab1-41a7-bca5-796b19d85bc0" providerId="ADAL" clId="{87327C69-187A-9E4A-B2BB-AFE23CD4AF56}" dt="2022-02-22T22:18:43.468" v="983"/>
+          <ac:inkMkLst>
+            <pc:docMk/>
+            <pc:sldMk cId="3739569251" sldId="425"/>
+            <ac:inkMk id="10" creationId="{43A3F2AC-9B3D-B347-B864-108F37A3AE95}"/>
+          </ac:inkMkLst>
+        </pc:inkChg>
+        <pc:inkChg chg="add del mod">
+          <ac:chgData name="Arjan Kamberg" userId="2cfeac95-aab1-41a7-bca5-796b19d85bc0" providerId="ADAL" clId="{87327C69-187A-9E4A-B2BB-AFE23CD4AF56}" dt="2022-02-22T22:18:43.137" v="981"/>
+          <ac:inkMkLst>
+            <pc:docMk/>
+            <pc:sldMk cId="3739569251" sldId="425"/>
+            <ac:inkMk id="12" creationId="{FEC39501-FA9A-2042-8075-EB23053D0BA7}"/>
+          </ac:inkMkLst>
+        </pc:inkChg>
+        <pc:inkChg chg="add del mod">
+          <ac:chgData name="Arjan Kamberg" userId="2cfeac95-aab1-41a7-bca5-796b19d85bc0" providerId="ADAL" clId="{87327C69-187A-9E4A-B2BB-AFE23CD4AF56}" dt="2022-02-22T22:18:42.735" v="979" actId="9405"/>
+          <ac:inkMkLst>
+            <pc:docMk/>
+            <pc:sldMk cId="3739569251" sldId="425"/>
+            <ac:inkMk id="14" creationId="{28195AE0-EB06-7D4A-8CA3-C9C9E93212A7}"/>
+          </ac:inkMkLst>
+        </pc:inkChg>
+        <pc:inkChg chg="add del mod">
+          <ac:chgData name="Arjan Kamberg" userId="2cfeac95-aab1-41a7-bca5-796b19d85bc0" providerId="ADAL" clId="{87327C69-187A-9E4A-B2BB-AFE23CD4AF56}" dt="2022-02-22T22:18:42.168" v="978"/>
+          <ac:inkMkLst>
+            <pc:docMk/>
+            <pc:sldMk cId="3739569251" sldId="425"/>
+            <ac:inkMk id="15" creationId="{B39E513A-F986-C74E-9D40-EAEF8FAABF2B}"/>
+          </ac:inkMkLst>
+        </pc:inkChg>
+      </pc:sldChg>
+      <pc:sldChg chg="addSp modSp new mod">
+        <pc:chgData name="Arjan Kamberg" userId="2cfeac95-aab1-41a7-bca5-796b19d85bc0" providerId="ADAL" clId="{87327C69-187A-9E4A-B2BB-AFE23CD4AF56}" dt="2022-02-21T11:43:29.464" v="941" actId="1076"/>
+        <pc:sldMkLst>
+          <pc:docMk/>
+          <pc:sldMk cId="4194075573" sldId="426"/>
+        </pc:sldMkLst>
+        <pc:picChg chg="add mod">
+          <ac:chgData name="Arjan Kamberg" userId="2cfeac95-aab1-41a7-bca5-796b19d85bc0" providerId="ADAL" clId="{87327C69-187A-9E4A-B2BB-AFE23CD4AF56}" dt="2022-02-21T11:43:29.464" v="941" actId="1076"/>
+          <ac:picMkLst>
+            <pc:docMk/>
+            <pc:sldMk cId="4194075573" sldId="426"/>
+            <ac:picMk id="4" creationId="{BAE4909D-1E98-3B40-B3AF-03AA5C238A41}"/>
+          </ac:picMkLst>
+        </pc:picChg>
+      </pc:sldChg>
+      <pc:sldChg chg="add">
+        <pc:chgData name="Arjan Kamberg" userId="2cfeac95-aab1-41a7-bca5-796b19d85bc0" providerId="ADAL" clId="{87327C69-187A-9E4A-B2BB-AFE23CD4AF56}" dt="2022-02-21T11:47:50.579" v="943" actId="2890"/>
+        <pc:sldMkLst>
+          <pc:docMk/>
+          <pc:sldMk cId="174331356" sldId="427"/>
+        </pc:sldMkLst>
       </pc:sldChg>
     </pc:docChg>
   </pc:docChgLst>
@@ -2393,7 +2393,7 @@
           <a:p>
             <a:fld id="{25ED37B6-3D2B-42F6-B75F-7E9C925A2B78}" type="datetimeFigureOut">
               <a:rPr lang="nl-NL" smtClean="0"/>
-              <a:t>22-02-2022</a:t>
+              <a:t>13-9-2023</a:t>
             </a:fld>
             <a:endParaRPr lang="nl-NL"/>
           </a:p>
@@ -2459,7 +2459,7 @@
           <a:p>
             <a:fld id="{70D9F7AB-EA22-43B3-A547-9779962390FA}" type="slidenum">
               <a:rPr lang="nl-NL" smtClean="0"/>
-              <a:t>‹#›</a:t>
+              <a:t>‹nr.›</a:t>
             </a:fld>
             <a:endParaRPr lang="nl-NL"/>
           </a:p>
@@ -2819,7 +2819,7 @@
           <a:p>
             <a:fld id="{67D95C54-6F9B-4C49-BF56-4D62B2D71ED9}" type="datetimeFigureOut">
               <a:rPr lang="nl-NL" smtClean="0"/>
-              <a:t>22-02-2022</a:t>
+              <a:t>13-9-2023</a:t>
             </a:fld>
             <a:endParaRPr lang="nl-NL"/>
           </a:p>
@@ -2977,7 +2977,7 @@
           <a:p>
             <a:fld id="{03F426EE-4AAC-45A7-A5E5-372300C4F3E7}" type="slidenum">
               <a:rPr lang="nl-NL" smtClean="0"/>
-              <a:t>‹#›</a:t>
+              <a:t>‹nr.›</a:t>
             </a:fld>
             <a:endParaRPr lang="nl-NL"/>
           </a:p>
@@ -8144,8 +8144,8 @@
           </a:prstGeom>
         </p:spPr>
       </p:pic>
-      <mc:AlternateContent xmlns:mc="http://schemas.openxmlformats.org/markup-compatibility/2006">
-        <mc:Choice xmlns:p14="http://schemas.microsoft.com/office/powerpoint/2010/main" Requires="p14">
+      <mc:AlternateContent xmlns:mc="http://schemas.openxmlformats.org/markup-compatibility/2006" xmlns:p14="http://schemas.microsoft.com/office/powerpoint/2010/main">
+        <mc:Choice Requires="p14">
           <p:contentPart p14:bwMode="auto" r:id="rId3">
             <p14:nvContentPartPr>
               <p14:cNvPr id="5" name="Ink 4">
@@ -8164,7 +8164,7 @@
             </p14:xfrm>
           </p:contentPart>
         </mc:Choice>
-        <mc:Fallback>
+        <mc:Fallback xmlns="">
           <p:pic>
             <p:nvPicPr>
               <p:cNvPr id="5" name="Ink 4">
@@ -8195,8 +8195,8 @@
           </p:pic>
         </mc:Fallback>
       </mc:AlternateContent>
-      <mc:AlternateContent xmlns:mc="http://schemas.openxmlformats.org/markup-compatibility/2006">
-        <mc:Choice xmlns:p14="http://schemas.microsoft.com/office/powerpoint/2010/main" Requires="p14">
+      <mc:AlternateContent xmlns:mc="http://schemas.openxmlformats.org/markup-compatibility/2006" xmlns:p14="http://schemas.microsoft.com/office/powerpoint/2010/main">
+        <mc:Choice Requires="p14">
           <p:contentPart p14:bwMode="auto" r:id="rId5">
             <p14:nvContentPartPr>
               <p14:cNvPr id="6" name="Ink 5">
@@ -8215,7 +8215,7 @@
             </p14:xfrm>
           </p:contentPart>
         </mc:Choice>
-        <mc:Fallback>
+        <mc:Fallback xmlns="">
           <p:pic>
             <p:nvPicPr>
               <p:cNvPr id="6" name="Ink 5">
@@ -8246,8 +8246,8 @@
           </p:pic>
         </mc:Fallback>
       </mc:AlternateContent>
-      <mc:AlternateContent xmlns:mc="http://schemas.openxmlformats.org/markup-compatibility/2006">
-        <mc:Choice xmlns:p14="http://schemas.microsoft.com/office/powerpoint/2010/main" Requires="p14">
+      <mc:AlternateContent xmlns:mc="http://schemas.openxmlformats.org/markup-compatibility/2006" xmlns:p14="http://schemas.microsoft.com/office/powerpoint/2010/main">
+        <mc:Choice Requires="p14">
           <p:contentPart p14:bwMode="auto" r:id="rId7">
             <p14:nvContentPartPr>
               <p14:cNvPr id="8" name="Ink 7">
@@ -8266,7 +8266,7 @@
             </p14:xfrm>
           </p:contentPart>
         </mc:Choice>
-        <mc:Fallback>
+        <mc:Fallback xmlns="">
           <p:pic>
             <p:nvPicPr>
               <p:cNvPr id="8" name="Ink 7">
@@ -8944,13 +8944,8 @@
             </a:r>
             <a:r>
               <a:rPr lang="nl-NL" dirty="0"/>
-              <a:t> MQTT </a:t>
-            </a:r>
-            <a:r>
-              <a:rPr lang="nl-NL" dirty="0" err="1"/>
-              <a:t>funkties</a:t>
-            </a:r>
-            <a:endParaRPr lang="nl-NL" dirty="0"/>
+              <a:t> MQTT functies</a:t>
+            </a:r>
           </a:p>
         </p:txBody>
       </p:sp>
@@ -9110,7 +9105,7 @@
         </p:nvSpPr>
         <p:spPr>
           <a:xfrm>
-            <a:off x="839788" y="3491861"/>
+            <a:off x="952500" y="3429000"/>
             <a:ext cx="6416797" cy="769441"/>
           </a:xfrm>
           <a:prstGeom prst="rect">
@@ -9130,7 +9125,7 @@
             </a:r>
             <a:r>
               <a:rPr lang="nl-NL" sz="4400" dirty="0"/>
-              <a:t> : 10.7.2.154</a:t>
+              <a:t> : 10.9.41.92</a:t>
             </a:r>
             <a:endParaRPr lang="en-NL" sz="4400" dirty="0"/>
           </a:p>
@@ -9519,7 +9514,7 @@
           <p:nvPr/>
         </p:nvPicPr>
         <p:blipFill>
-          <a:blip r:embed="rId4"/>
+          <a:blip r:embed="rId5"/>
           <a:stretch>
             <a:fillRect/>
           </a:stretch>
@@ -10799,12 +10794,6 @@
 </file>
 
 <file path=customXml/item1.xml><?xml version="1.0" encoding="utf-8"?>
-<p:properties xmlns:p="http://schemas.microsoft.com/office/2006/metadata/properties" xmlns:xsi="http://www.w3.org/2001/XMLSchema-instance" xmlns:pc="http://schemas.microsoft.com/office/infopath/2007/PartnerControls">
-  <documentManagement/>
-</p:properties>
-</file>
-
-<file path=customXml/item2.xml><?xml version="1.0" encoding="utf-8"?>
 <ct:contentTypeSchema xmlns:ct="http://schemas.microsoft.com/office/2006/metadata/contentType" xmlns:ma="http://schemas.microsoft.com/office/2006/metadata/properties/metaAttributes" ct:_="" ma:_="" ma:contentTypeName="Document" ma:contentTypeID="0x0101004EE29C275B0330428D2BFA2C8D576F4B" ma:contentTypeVersion="0" ma:contentTypeDescription="Een nieuw document maken." ma:contentTypeScope="" ma:versionID="6f3e0ea117c09d99e40ae3b100a299dc">
   <xsd:schema xmlns:xsd="http://www.w3.org/2001/XMLSchema" xmlns:xs="http://www.w3.org/2001/XMLSchema" xmlns:p="http://schemas.microsoft.com/office/2006/metadata/properties" targetNamespace="http://schemas.microsoft.com/office/2006/metadata/properties" ma:root="true" ma:fieldsID="1978a156f712f99d6452530788f7ffe9">
     <xsd:element name="properties">
@@ -10918,6 +10907,12 @@
 </ct:contentTypeSchema>
 </file>
 
+<file path=customXml/item2.xml><?xml version="1.0" encoding="utf-8"?>
+<p:properties xmlns:p="http://schemas.microsoft.com/office/2006/metadata/properties" xmlns:xsi="http://www.w3.org/2001/XMLSchema-instance" xmlns:pc="http://schemas.microsoft.com/office/infopath/2007/PartnerControls">
+  <documentManagement/>
+</p:properties>
+</file>
+
 <file path=customXml/item3.xml><?xml version="1.0" encoding="utf-8"?>
 <?mso-contentType ?>
 <FormTemplates xmlns="http://schemas.microsoft.com/sharepoint/v3/contenttype/forms">
@@ -10928,21 +10923,6 @@
 </file>
 
 <file path=customXml/itemProps1.xml><?xml version="1.0" encoding="utf-8"?>
-<ds:datastoreItem xmlns:ds="http://schemas.openxmlformats.org/officeDocument/2006/customXml" ds:itemID="{A03AAC8F-903D-4F48-B309-C4EB3B4EEDDC}">
-  <ds:schemaRefs>
-    <ds:schemaRef ds:uri="http://www.w3.org/XML/1998/namespace"/>
-    <ds:schemaRef ds:uri="http://purl.org/dc/elements/1.1/"/>
-    <ds:schemaRef ds:uri="http://schemas.openxmlformats.org/package/2006/metadata/core-properties"/>
-    <ds:schemaRef ds:uri="http://schemas.microsoft.com/office/2006/metadata/properties"/>
-    <ds:schemaRef ds:uri="http://schemas.microsoft.com/office/2006/documentManagement/types"/>
-    <ds:schemaRef ds:uri="http://schemas.microsoft.com/office/infopath/2007/PartnerControls"/>
-    <ds:schemaRef ds:uri="http://purl.org/dc/dcmitype/"/>
-    <ds:schemaRef ds:uri="http://purl.org/dc/terms/"/>
-  </ds:schemaRefs>
-</ds:datastoreItem>
-</file>
-
-<file path=customXml/itemProps2.xml><?xml version="1.0" encoding="utf-8"?>
 <ds:datastoreItem xmlns:ds="http://schemas.openxmlformats.org/officeDocument/2006/customXml" ds:itemID="{7C812B3D-632E-45B1-BE3D-5F5FC6F96A1A}">
   <ds:schemaRefs>
     <ds:schemaRef ds:uri="http://schemas.microsoft.com/office/2006/metadata/contentType"/>
@@ -10958,6 +10938,21 @@
 </ds:datastoreItem>
 </file>
 
+<file path=customXml/itemProps2.xml><?xml version="1.0" encoding="utf-8"?>
+<ds:datastoreItem xmlns:ds="http://schemas.openxmlformats.org/officeDocument/2006/customXml" ds:itemID="{A03AAC8F-903D-4F48-B309-C4EB3B4EEDDC}">
+  <ds:schemaRefs>
+    <ds:schemaRef ds:uri="http://www.w3.org/XML/1998/namespace"/>
+    <ds:schemaRef ds:uri="http://purl.org/dc/elements/1.1/"/>
+    <ds:schemaRef ds:uri="http://schemas.openxmlformats.org/package/2006/metadata/core-properties"/>
+    <ds:schemaRef ds:uri="http://schemas.microsoft.com/office/2006/metadata/properties"/>
+    <ds:schemaRef ds:uri="http://schemas.microsoft.com/office/2006/documentManagement/types"/>
+    <ds:schemaRef ds:uri="http://schemas.microsoft.com/office/infopath/2007/PartnerControls"/>
+    <ds:schemaRef ds:uri="http://purl.org/dc/dcmitype/"/>
+    <ds:schemaRef ds:uri="http://purl.org/dc/terms/"/>
+  </ds:schemaRefs>
+</ds:datastoreItem>
+</file>
+
 <file path=customXml/itemProps3.xml><?xml version="1.0" encoding="utf-8"?>
 <ds:datastoreItem xmlns:ds="http://schemas.openxmlformats.org/officeDocument/2006/customXml" ds:itemID="{C58370CC-8AF3-4E85-911D-3C7AD1FAAE10}">
   <ds:schemaRefs>
